--- a/Calendario2022/Presentaciones/1_IntroduccionRedes_Profesor.pptx
+++ b/Calendario2022/Presentaciones/1_IntroduccionRedes_Profesor.pptx
@@ -5,7 +5,7 @@
     <p:sldMasterId id="2147483648" r:id="rId1"/>
   </p:sldMasterIdLst>
   <p:notesMasterIdLst>
-    <p:notesMasterId r:id="rId48"/>
+    <p:notesMasterId r:id="rId46"/>
   </p:notesMasterIdLst>
   <p:sldIdLst>
     <p:sldId id="379" r:id="rId2"/>
@@ -38,22 +38,20 @@
     <p:sldId id="820" r:id="rId29"/>
     <p:sldId id="327" r:id="rId30"/>
     <p:sldId id="348" r:id="rId31"/>
-    <p:sldId id="351" r:id="rId32"/>
-    <p:sldId id="352" r:id="rId33"/>
-    <p:sldId id="338" r:id="rId34"/>
-    <p:sldId id="332" r:id="rId35"/>
-    <p:sldId id="334" r:id="rId36"/>
-    <p:sldId id="335" r:id="rId37"/>
-    <p:sldId id="349" r:id="rId38"/>
-    <p:sldId id="350" r:id="rId39"/>
-    <p:sldId id="337" r:id="rId40"/>
-    <p:sldId id="354" r:id="rId41"/>
-    <p:sldId id="298" r:id="rId42"/>
-    <p:sldId id="297" r:id="rId43"/>
-    <p:sldId id="824" r:id="rId44"/>
-    <p:sldId id="825" r:id="rId45"/>
-    <p:sldId id="822" r:id="rId46"/>
-    <p:sldId id="299" r:id="rId47"/>
+    <p:sldId id="338" r:id="rId32"/>
+    <p:sldId id="332" r:id="rId33"/>
+    <p:sldId id="334" r:id="rId34"/>
+    <p:sldId id="335" r:id="rId35"/>
+    <p:sldId id="349" r:id="rId36"/>
+    <p:sldId id="350" r:id="rId37"/>
+    <p:sldId id="337" r:id="rId38"/>
+    <p:sldId id="354" r:id="rId39"/>
+    <p:sldId id="298" r:id="rId40"/>
+    <p:sldId id="297" r:id="rId41"/>
+    <p:sldId id="824" r:id="rId42"/>
+    <p:sldId id="825" r:id="rId43"/>
+    <p:sldId id="822" r:id="rId44"/>
+    <p:sldId id="299" r:id="rId45"/>
   </p:sldIdLst>
   <p:sldSz cx="9144000" cy="6858000" type="screen4x3"/>
   <p:notesSz cx="6858000" cy="9144000"/>
@@ -670,7 +668,7 @@
           <a:p>
             <a:fld id="{5993AEC0-242E-4FA7-9D3C-51E1036AC3CB}" type="slidenum">
               <a:rPr lang="es-MX" smtClean="0"/>
-              <a:t>33</a:t>
+              <a:t>31</a:t>
             </a:fld>
             <a:endParaRPr lang="es-MX" dirty="0"/>
           </a:p>
@@ -754,7 +752,7 @@
           <a:p>
             <a:fld id="{5993AEC0-242E-4FA7-9D3C-51E1036AC3CB}" type="slidenum">
               <a:rPr lang="es-MX" smtClean="0"/>
-              <a:t>34</a:t>
+              <a:t>32</a:t>
             </a:fld>
             <a:endParaRPr lang="es-MX" dirty="0"/>
           </a:p>
@@ -838,7 +836,7 @@
           <a:p>
             <a:fld id="{5993AEC0-242E-4FA7-9D3C-51E1036AC3CB}" type="slidenum">
               <a:rPr lang="es-MX" smtClean="0"/>
-              <a:t>35</a:t>
+              <a:t>33</a:t>
             </a:fld>
             <a:endParaRPr lang="es-MX" dirty="0"/>
           </a:p>
@@ -922,7 +920,7 @@
           <a:p>
             <a:fld id="{5993AEC0-242E-4FA7-9D3C-51E1036AC3CB}" type="slidenum">
               <a:rPr lang="es-MX" smtClean="0"/>
-              <a:t>36</a:t>
+              <a:t>34</a:t>
             </a:fld>
             <a:endParaRPr lang="es-MX" dirty="0"/>
           </a:p>
@@ -1006,7 +1004,7 @@
           <a:p>
             <a:fld id="{5993AEC0-242E-4FA7-9D3C-51E1036AC3CB}" type="slidenum">
               <a:rPr lang="es-MX" smtClean="0"/>
-              <a:t>37</a:t>
+              <a:t>35</a:t>
             </a:fld>
             <a:endParaRPr lang="es-MX" dirty="0"/>
           </a:p>
@@ -1090,7 +1088,7 @@
           <a:p>
             <a:fld id="{5993AEC0-242E-4FA7-9D3C-51E1036AC3CB}" type="slidenum">
               <a:rPr lang="es-MX" smtClean="0"/>
-              <a:t>38</a:t>
+              <a:t>36</a:t>
             </a:fld>
             <a:endParaRPr lang="es-MX" dirty="0"/>
           </a:p>
@@ -1174,7 +1172,7 @@
           <a:p>
             <a:fld id="{5993AEC0-242E-4FA7-9D3C-51E1036AC3CB}" type="slidenum">
               <a:rPr lang="es-MX" smtClean="0"/>
-              <a:t>39</a:t>
+              <a:t>37</a:t>
             </a:fld>
             <a:endParaRPr lang="es-MX" dirty="0"/>
           </a:p>
@@ -17828,7 +17826,7 @@
           <a:graphicData uri="http://schemas.openxmlformats.org/presentationml/2006/ole">
             <mc:AlternateContent xmlns:mc="http://schemas.openxmlformats.org/markup-compatibility/2006">
               <mc:Choice xmlns:v="urn:schemas-microsoft-com:vml" Requires="v">
-                <p:oleObj spid="_x0000_s8349" name="Imagen" r:id="rId4" imgW="1452563" imgH="1166813" progId="MS_ClipArt_Gallery.2">
+                <p:oleObj spid="_x0000_s8354" name="Imagen" r:id="rId4" imgW="1452563" imgH="1166813" progId="MS_ClipArt_Gallery.2">
                   <p:embed/>
                 </p:oleObj>
               </mc:Choice>
@@ -17921,7 +17919,7 @@
           <a:graphicData uri="http://schemas.openxmlformats.org/presentationml/2006/ole">
             <mc:AlternateContent xmlns:mc="http://schemas.openxmlformats.org/markup-compatibility/2006">
               <mc:Choice xmlns:v="urn:schemas-microsoft-com:vml" Requires="v">
-                <p:oleObj spid="_x0000_s8350" name="Imagen" r:id="rId6" imgW="1452563" imgH="1166813" progId="MS_ClipArt_Gallery.2">
+                <p:oleObj spid="_x0000_s8355" name="Imagen" r:id="rId6" imgW="1452563" imgH="1166813" progId="MS_ClipArt_Gallery.2">
                   <p:embed/>
                 </p:oleObj>
               </mc:Choice>
@@ -18014,7 +18012,7 @@
           <a:graphicData uri="http://schemas.openxmlformats.org/presentationml/2006/ole">
             <mc:AlternateContent xmlns:mc="http://schemas.openxmlformats.org/markup-compatibility/2006">
               <mc:Choice xmlns:v="urn:schemas-microsoft-com:vml" Requires="v">
-                <p:oleObj spid="_x0000_s8351" name="Imagen" r:id="rId7" imgW="1452563" imgH="1166813" progId="MS_ClipArt_Gallery.2">
+                <p:oleObj spid="_x0000_s8356" name="Imagen" r:id="rId7" imgW="1452563" imgH="1166813" progId="MS_ClipArt_Gallery.2">
                   <p:embed/>
                 </p:oleObj>
               </mc:Choice>
@@ -18107,7 +18105,7 @@
           <a:graphicData uri="http://schemas.openxmlformats.org/presentationml/2006/ole">
             <mc:AlternateContent xmlns:mc="http://schemas.openxmlformats.org/markup-compatibility/2006">
               <mc:Choice xmlns:v="urn:schemas-microsoft-com:vml" Requires="v">
-                <p:oleObj spid="_x0000_s8352" name="Imagen" r:id="rId8" imgW="1452563" imgH="1166813" progId="MS_ClipArt_Gallery.2">
+                <p:oleObj spid="_x0000_s8357" name="Imagen" r:id="rId8" imgW="1452563" imgH="1166813" progId="MS_ClipArt_Gallery.2">
                   <p:embed/>
                 </p:oleObj>
               </mc:Choice>
@@ -18200,7 +18198,7 @@
           <a:graphicData uri="http://schemas.openxmlformats.org/presentationml/2006/ole">
             <mc:AlternateContent xmlns:mc="http://schemas.openxmlformats.org/markup-compatibility/2006">
               <mc:Choice xmlns:v="urn:schemas-microsoft-com:vml" Requires="v">
-                <p:oleObj spid="_x0000_s8353" name="Imagen" r:id="rId9" imgW="1452563" imgH="1166813" progId="MS_ClipArt_Gallery.2">
+                <p:oleObj spid="_x0000_s8358" name="Imagen" r:id="rId9" imgW="1452563" imgH="1166813" progId="MS_ClipArt_Gallery.2">
                   <p:embed/>
                 </p:oleObj>
               </mc:Choice>
@@ -21815,1377 +21813,6 @@
       </p:grpSpPr>
       <p:pic>
         <p:nvPicPr>
-          <p:cNvPr id="2" name="Imagen 1"/>
-          <p:cNvPicPr>
-            <a:picLocks noChangeAspect="1"/>
-          </p:cNvPicPr>
-          <p:nvPr/>
-        </p:nvPicPr>
-        <p:blipFill>
-          <a:blip r:embed="rId2">
-            <a:extLst>
-              <a:ext uri="{28A0092B-C50C-407E-A947-70E740481C1C}">
-                <a14:useLocalDpi xmlns:a14="http://schemas.microsoft.com/office/drawing/2010/main" val="0"/>
-              </a:ext>
-            </a:extLst>
-          </a:blip>
-          <a:stretch>
-            <a:fillRect/>
-          </a:stretch>
-        </p:blipFill>
-        <p:spPr>
-          <a:xfrm>
-            <a:off x="3995936" y="2709895"/>
-            <a:ext cx="4392488" cy="3584270"/>
-          </a:xfrm>
-          <a:prstGeom prst="rect">
-            <a:avLst/>
-          </a:prstGeom>
-        </p:spPr>
-      </p:pic>
-      <p:sp>
-        <p:nvSpPr>
-          <p:cNvPr id="5139" name="Rectangle 18"/>
-          <p:cNvSpPr>
-            <a:spLocks noChangeArrowheads="1"/>
-          </p:cNvSpPr>
-          <p:nvPr/>
-        </p:nvSpPr>
-        <p:spPr bwMode="auto">
-          <a:xfrm>
-            <a:off x="428025" y="1729606"/>
-            <a:ext cx="7888391" cy="1325174"/>
-          </a:xfrm>
-          <a:prstGeom prst="rect">
-            <a:avLst/>
-          </a:prstGeom>
-          <a:noFill/>
-          <a:ln>
-            <a:noFill/>
-          </a:ln>
-          <a:extLst>
-            <a:ext uri="{909E8E84-426E-40DD-AFC4-6F175D3DCCD1}">
-              <a14:hiddenFill xmlns:a14="http://schemas.microsoft.com/office/drawing/2010/main">
-                <a:solidFill>
-                  <a:srgbClr val="FFFFFF"/>
-                </a:solidFill>
-              </a14:hiddenFill>
-            </a:ext>
-            <a:ext uri="{91240B29-F687-4F45-9708-019B960494DF}">
-              <a14:hiddenLine xmlns:a14="http://schemas.microsoft.com/office/drawing/2010/main" w="9525">
-                <a:solidFill>
-                  <a:srgbClr val="000000"/>
-                </a:solidFill>
-                <a:miter lim="800000"/>
-                <a:headEnd/>
-                <a:tailEnd/>
-              </a14:hiddenLine>
-            </a:ext>
-          </a:extLst>
-        </p:spPr>
-        <p:txBody>
-          <a:bodyPr lIns="92075" tIns="46038" rIns="92075" bIns="46038"/>
-          <a:lstStyle/>
-          <a:p>
-            <a:pPr marL="342900" indent="-342900" algn="just">
-              <a:lnSpc>
-                <a:spcPct val="150000"/>
-              </a:lnSpc>
-              <a:buClr>
-                <a:schemeClr val="tx2"/>
-              </a:buClr>
-              <a:buSzPct val="70000"/>
-              <a:buFont typeface="Wingdings" pitchFamily="2" charset="2"/>
-              <a:buChar char="¡"/>
-            </a:pPr>
-            <a:r>
-              <a:rPr lang="es-ES_tradnl" sz="1600" dirty="0">
-                <a:latin typeface="ZapfHumnst BT"/>
-              </a:rPr>
-              <a:t>Es una especificación industrial para </a:t>
-            </a:r>
-            <a:r>
-              <a:rPr lang="es-ES_tradnl" sz="1600" b="1" dirty="0">
-                <a:solidFill>
-                  <a:schemeClr val="accent6">
-                    <a:lumMod val="75000"/>
-                  </a:schemeClr>
-                </a:solidFill>
-                <a:latin typeface="ZapfHumnst BT"/>
-              </a:rPr>
-              <a:t>Redes Inalámbricas de Área Personal (WPANs)</a:t>
-            </a:r>
-            <a:r>
-              <a:rPr lang="es-ES_tradnl" sz="1600" dirty="0">
-                <a:latin typeface="ZapfHumnst BT"/>
-              </a:rPr>
-              <a:t> que posibilita la transmisión de voz y </a:t>
-            </a:r>
-            <a:r>
-              <a:rPr lang="es-MX" sz="1600" dirty="0">
-                <a:latin typeface="ZapfHumnst BT"/>
-              </a:rPr>
-              <a:t>y datos entre diferentes dispositivos mediante un enlace por radiofrecuencia en la banda de los </a:t>
-            </a:r>
-            <a:r>
-              <a:rPr lang="es-MX" sz="1600" b="1" dirty="0">
-                <a:latin typeface="ZapfHumnst BT"/>
-              </a:rPr>
-              <a:t>2.4 GHz</a:t>
-            </a:r>
-            <a:r>
-              <a:rPr lang="es-MX" sz="1600" dirty="0">
-                <a:latin typeface="ZapfHumnst BT"/>
-              </a:rPr>
-              <a:t>.</a:t>
-            </a:r>
-            <a:endParaRPr lang="es-ES_tradnl" sz="1600" dirty="0">
-              <a:latin typeface="ZapfHumnst BT"/>
-            </a:endParaRPr>
-          </a:p>
-        </p:txBody>
-      </p:sp>
-      <p:sp>
-        <p:nvSpPr>
-          <p:cNvPr id="24" name="Rectangle 17"/>
-          <p:cNvSpPr txBox="1">
-            <a:spLocks noChangeArrowheads="1"/>
-          </p:cNvSpPr>
-          <p:nvPr/>
-        </p:nvSpPr>
-        <p:spPr bwMode="auto">
-          <a:xfrm>
-            <a:off x="428024" y="3054780"/>
-            <a:ext cx="3351888" cy="2894500"/>
-          </a:xfrm>
-          <a:prstGeom prst="rect">
-            <a:avLst/>
-          </a:prstGeom>
-          <a:noFill/>
-          <a:ln>
-            <a:noFill/>
-          </a:ln>
-          <a:extLst>
-            <a:ext uri="{909E8E84-426E-40DD-AFC4-6F175D3DCCD1}">
-              <a14:hiddenFill xmlns:a14="http://schemas.microsoft.com/office/drawing/2010/main">
-                <a:solidFill>
-                  <a:srgbClr val="FFFFFF"/>
-                </a:solidFill>
-              </a14:hiddenFill>
-            </a:ext>
-            <a:ext uri="{91240B29-F687-4F45-9708-019B960494DF}">
-              <a14:hiddenLine xmlns:a14="http://schemas.microsoft.com/office/drawing/2010/main" w="9525">
-                <a:solidFill>
-                  <a:srgbClr val="000000"/>
-                </a:solidFill>
-                <a:miter lim="800000"/>
-                <a:headEnd/>
-                <a:tailEnd/>
-              </a14:hiddenLine>
-            </a:ext>
-          </a:extLst>
-        </p:spPr>
-        <p:txBody>
-          <a:bodyPr lIns="92075" tIns="46038" rIns="92075" bIns="46038"/>
-          <a:lstStyle>
-            <a:lvl1pPr marL="342900" indent="-342900">
-              <a:defRPr sz="1600">
-                <a:solidFill>
-                  <a:schemeClr val="tx1"/>
-                </a:solidFill>
-                <a:latin typeface="Times New Roman" pitchFamily="18" charset="0"/>
-              </a:defRPr>
-            </a:lvl1pPr>
-            <a:lvl2pPr marL="742950" indent="-285750">
-              <a:defRPr sz="1600">
-                <a:solidFill>
-                  <a:schemeClr val="tx1"/>
-                </a:solidFill>
-                <a:latin typeface="Times New Roman" pitchFamily="18" charset="0"/>
-              </a:defRPr>
-            </a:lvl2pPr>
-            <a:lvl3pPr marL="1143000" indent="-228600">
-              <a:defRPr sz="1600">
-                <a:solidFill>
-                  <a:schemeClr val="tx1"/>
-                </a:solidFill>
-                <a:latin typeface="Times New Roman" pitchFamily="18" charset="0"/>
-              </a:defRPr>
-            </a:lvl3pPr>
-            <a:lvl4pPr marL="1600200" indent="-228600">
-              <a:defRPr sz="1600">
-                <a:solidFill>
-                  <a:schemeClr val="tx1"/>
-                </a:solidFill>
-                <a:latin typeface="Times New Roman" pitchFamily="18" charset="0"/>
-              </a:defRPr>
-            </a:lvl4pPr>
-            <a:lvl5pPr marL="2057400" indent="-228600">
-              <a:defRPr sz="1600">
-                <a:solidFill>
-                  <a:schemeClr val="tx1"/>
-                </a:solidFill>
-                <a:latin typeface="Times New Roman" pitchFamily="18" charset="0"/>
-              </a:defRPr>
-            </a:lvl5pPr>
-            <a:lvl6pPr marL="2514600" indent="-228600" eaLnBrk="0" fontAlgn="base" hangingPunct="0">
-              <a:spcBef>
-                <a:spcPct val="0"/>
-              </a:spcBef>
-              <a:spcAft>
-                <a:spcPct val="0"/>
-              </a:spcAft>
-              <a:defRPr sz="1600">
-                <a:solidFill>
-                  <a:schemeClr val="tx1"/>
-                </a:solidFill>
-                <a:latin typeface="Times New Roman" pitchFamily="18" charset="0"/>
-              </a:defRPr>
-            </a:lvl6pPr>
-            <a:lvl7pPr marL="2971800" indent="-228600" eaLnBrk="0" fontAlgn="base" hangingPunct="0">
-              <a:spcBef>
-                <a:spcPct val="0"/>
-              </a:spcBef>
-              <a:spcAft>
-                <a:spcPct val="0"/>
-              </a:spcAft>
-              <a:defRPr sz="1600">
-                <a:solidFill>
-                  <a:schemeClr val="tx1"/>
-                </a:solidFill>
-                <a:latin typeface="Times New Roman" pitchFamily="18" charset="0"/>
-              </a:defRPr>
-            </a:lvl7pPr>
-            <a:lvl8pPr marL="3429000" indent="-228600" eaLnBrk="0" fontAlgn="base" hangingPunct="0">
-              <a:spcBef>
-                <a:spcPct val="0"/>
-              </a:spcBef>
-              <a:spcAft>
-                <a:spcPct val="0"/>
-              </a:spcAft>
-              <a:defRPr sz="1600">
-                <a:solidFill>
-                  <a:schemeClr val="tx1"/>
-                </a:solidFill>
-                <a:latin typeface="Times New Roman" pitchFamily="18" charset="0"/>
-              </a:defRPr>
-            </a:lvl8pPr>
-            <a:lvl9pPr marL="3886200" indent="-228600" eaLnBrk="0" fontAlgn="base" hangingPunct="0">
-              <a:spcBef>
-                <a:spcPct val="0"/>
-              </a:spcBef>
-              <a:spcAft>
-                <a:spcPct val="0"/>
-              </a:spcAft>
-              <a:defRPr sz="1600">
-                <a:solidFill>
-                  <a:schemeClr val="tx1"/>
-                </a:solidFill>
-                <a:latin typeface="Times New Roman" pitchFamily="18" charset="0"/>
-              </a:defRPr>
-            </a:lvl9pPr>
-          </a:lstStyle>
-          <a:p>
-            <a:pPr>
-              <a:lnSpc>
-                <a:spcPct val="150000"/>
-              </a:lnSpc>
-              <a:buClr>
-                <a:schemeClr val="tx2"/>
-              </a:buClr>
-              <a:buSzPct val="70000"/>
-              <a:buFont typeface="Wingdings" pitchFamily="2" charset="2"/>
-              <a:buChar char="¡"/>
-              <a:defRPr/>
-            </a:pPr>
-            <a:r>
-              <a:rPr lang="es-MX" dirty="0">
-                <a:solidFill>
-                  <a:schemeClr val="tx1">
-                    <a:lumMod val="95000"/>
-                    <a:lumOff val="5000"/>
-                  </a:schemeClr>
-                </a:solidFill>
-                <a:latin typeface="ZapfHumnst BT"/>
-              </a:rPr>
-              <a:t>Es un protocolo de comunicaciones diseñado especialmente para </a:t>
-            </a:r>
-            <a:r>
-              <a:rPr lang="es-MX" b="1" dirty="0">
-                <a:solidFill>
-                  <a:schemeClr val="accent6">
-                    <a:lumMod val="75000"/>
-                  </a:schemeClr>
-                </a:solidFill>
-                <a:latin typeface="ZapfHumnst BT"/>
-              </a:rPr>
-              <a:t>dispositivos de bajo consumo </a:t>
-            </a:r>
-            <a:r>
-              <a:rPr lang="es-MX" dirty="0">
-                <a:solidFill>
-                  <a:schemeClr val="tx1">
-                    <a:lumMod val="95000"/>
-                    <a:lumOff val="5000"/>
-                  </a:schemeClr>
-                </a:solidFill>
-                <a:latin typeface="ZapfHumnst BT"/>
-              </a:rPr>
-              <a:t>como</a:t>
-            </a:r>
-            <a:r>
-              <a:rPr lang="es-MX" dirty="0">
-                <a:latin typeface="ZapfHumnst BT"/>
-              </a:rPr>
-              <a:t> teléfonos móviles, computadoras portátiles o cámaras digitales.</a:t>
-            </a:r>
-          </a:p>
-        </p:txBody>
-      </p:sp>
-      <p:sp>
-        <p:nvSpPr>
-          <p:cNvPr id="7" name="Rectangle 2"/>
-          <p:cNvSpPr txBox="1">
-            <a:spLocks noChangeArrowheads="1"/>
-          </p:cNvSpPr>
-          <p:nvPr/>
-        </p:nvSpPr>
-        <p:spPr>
-          <a:xfrm>
-            <a:off x="611560" y="929709"/>
-            <a:ext cx="2304256" cy="893382"/>
-          </a:xfrm>
-          <a:prstGeom prst="rect">
-            <a:avLst/>
-          </a:prstGeom>
-        </p:spPr>
-        <p:txBody>
-          <a:bodyPr vert="horz" lIns="92075" tIns="46038" rIns="92075" bIns="46038" rtlCol="0" anchor="ctr">
-            <a:noAutofit/>
-          </a:bodyPr>
-          <a:lstStyle>
-            <a:lvl1pPr algn="ctr" defTabSz="914400" rtl="0" eaLnBrk="1" latinLnBrk="0" hangingPunct="1">
-              <a:spcBef>
-                <a:spcPct val="0"/>
-              </a:spcBef>
-              <a:buNone/>
-              <a:defRPr sz="4400" kern="1200">
-                <a:solidFill>
-                  <a:schemeClr val="tx1"/>
-                </a:solidFill>
-                <a:latin typeface="+mj-lt"/>
-                <a:ea typeface="+mj-ea"/>
-                <a:cs typeface="+mj-cs"/>
-              </a:defRPr>
-            </a:lvl1pPr>
-          </a:lstStyle>
-          <a:p>
-            <a:pPr algn="l">
-              <a:defRPr/>
-            </a:pPr>
-            <a:r>
-              <a:rPr lang="es-ES_tradnl" sz="3200" dirty="0">
-                <a:solidFill>
-                  <a:srgbClr val="3333CC"/>
-                </a:solidFill>
-                <a:effectLst>
-                  <a:outerShdw blurRad="38100" dist="38100" dir="2700000" algn="tl">
-                    <a:srgbClr val="C0C0C0"/>
-                  </a:outerShdw>
-                </a:effectLst>
-                <a:latin typeface="Dom Casual" charset="0"/>
-              </a:rPr>
-              <a:t> </a:t>
-            </a:r>
-            <a:r>
-              <a:rPr lang="es-ES_tradnl" sz="2800" b="1" dirty="0">
-                <a:solidFill>
-                  <a:schemeClr val="accent5">
-                    <a:lumMod val="75000"/>
-                  </a:schemeClr>
-                </a:solidFill>
-                <a:effectLst>
-                  <a:outerShdw blurRad="38100" dist="38100" dir="2700000" algn="tl">
-                    <a:srgbClr val="C0C0C0"/>
-                  </a:outerShdw>
-                </a:effectLst>
-                <a:latin typeface="+mn-lt"/>
-              </a:rPr>
-              <a:t>Bluetooth</a:t>
-            </a:r>
-          </a:p>
-        </p:txBody>
-      </p:sp>
-      <p:sp>
-        <p:nvSpPr>
-          <p:cNvPr id="6" name="Rectangle 2"/>
-          <p:cNvSpPr txBox="1">
-            <a:spLocks noChangeArrowheads="1"/>
-          </p:cNvSpPr>
-          <p:nvPr/>
-        </p:nvSpPr>
-        <p:spPr>
-          <a:xfrm>
-            <a:off x="179512" y="-18256"/>
-            <a:ext cx="8964488" cy="1215008"/>
-          </a:xfrm>
-          <a:prstGeom prst="rect">
-            <a:avLst/>
-          </a:prstGeom>
-        </p:spPr>
-        <p:txBody>
-          <a:bodyPr vert="horz" lIns="92075" tIns="46038" rIns="92075" bIns="46038" rtlCol="0" anchor="ctr">
-            <a:noAutofit/>
-          </a:bodyPr>
-          <a:lstStyle>
-            <a:lvl1pPr algn="ctr" defTabSz="914400" rtl="0" eaLnBrk="1" latinLnBrk="0" hangingPunct="1">
-              <a:spcBef>
-                <a:spcPct val="0"/>
-              </a:spcBef>
-              <a:buNone/>
-              <a:defRPr sz="4400" kern="1200">
-                <a:solidFill>
-                  <a:schemeClr val="tx1"/>
-                </a:solidFill>
-                <a:latin typeface="+mj-lt"/>
-                <a:ea typeface="+mj-ea"/>
-                <a:cs typeface="+mj-cs"/>
-              </a:defRPr>
-            </a:lvl1pPr>
-          </a:lstStyle>
-          <a:p>
-            <a:pPr>
-              <a:lnSpc>
-                <a:spcPts val="4000"/>
-              </a:lnSpc>
-              <a:defRPr/>
-            </a:pPr>
-            <a:r>
-              <a:rPr lang="es-ES_tradnl" sz="3200" dirty="0">
-                <a:solidFill>
-                  <a:srgbClr val="3333CC"/>
-                </a:solidFill>
-                <a:effectLst>
-                  <a:outerShdw blurRad="38100" dist="38100" dir="2700000" algn="tl">
-                    <a:srgbClr val="C0C0C0"/>
-                  </a:outerShdw>
-                </a:effectLst>
-                <a:latin typeface="Dom Casual" charset="0"/>
-              </a:rPr>
-              <a:t> </a:t>
-            </a:r>
-            <a:r>
-              <a:rPr lang="es-ES_tradnl" sz="3200" b="1" dirty="0">
-                <a:solidFill>
-                  <a:schemeClr val="accent4">
-                    <a:lumMod val="50000"/>
-                  </a:schemeClr>
-                </a:solidFill>
-                <a:effectLst>
-                  <a:outerShdw blurRad="38100" dist="38100" dir="2700000" algn="tl">
-                    <a:srgbClr val="C0C0C0"/>
-                  </a:outerShdw>
-                </a:effectLst>
-                <a:latin typeface="Dom Casual" charset="0"/>
-              </a:rPr>
-              <a:t>1. PAN</a:t>
-            </a:r>
-            <a:endParaRPr lang="es-ES_tradnl" sz="3200" b="1" dirty="0">
-              <a:solidFill>
-                <a:srgbClr val="666699"/>
-              </a:solidFill>
-              <a:effectLst>
-                <a:outerShdw blurRad="38100" dist="38100" dir="2700000" algn="tl">
-                  <a:srgbClr val="C0C0C0"/>
-                </a:outerShdw>
-              </a:effectLst>
-              <a:latin typeface="Dom Casual" charset="0"/>
-            </a:endParaRPr>
-          </a:p>
-        </p:txBody>
-      </p:sp>
-    </p:spTree>
-    <p:extLst>
-      <p:ext uri="{BB962C8B-B14F-4D97-AF65-F5344CB8AC3E}">
-        <p14:creationId xmlns:p14="http://schemas.microsoft.com/office/powerpoint/2010/main" val="3935332806"/>
-      </p:ext>
-    </p:extLst>
-  </p:cSld>
-  <p:clrMapOvr>
-    <a:masterClrMapping/>
-  </p:clrMapOvr>
-  <p:timing>
-    <p:tnLst>
-      <p:par>
-        <p:cTn id="1" dur="indefinite" restart="never" nodeType="tmRoot">
-          <p:childTnLst>
-            <p:seq concurrent="1" nextAc="seek">
-              <p:cTn id="2" dur="indefinite" nodeType="mainSeq">
-                <p:childTnLst>
-                  <p:par>
-                    <p:cTn id="3" fill="hold" nodeType="clickPar">
-                      <p:stCondLst>
-                        <p:cond delay="indefinite"/>
-                      </p:stCondLst>
-                      <p:childTnLst>
-                        <p:par>
-                          <p:cTn id="4" fill="hold" nodeType="withGroup">
-                            <p:stCondLst>
-                              <p:cond delay="0"/>
-                            </p:stCondLst>
-                            <p:childTnLst>
-                              <p:par>
-                                <p:cTn id="5" presetID="4" presetClass="entr" presetSubtype="16" fill="hold" grpId="0" nodeType="clickEffect">
-                                  <p:stCondLst>
-                                    <p:cond delay="0"/>
-                                  </p:stCondLst>
-                                  <p:childTnLst>
-                                    <p:set>
-                                      <p:cBhvr>
-                                        <p:cTn id="6" dur="1" fill="hold">
-                                          <p:stCondLst>
-                                            <p:cond delay="0"/>
-                                          </p:stCondLst>
-                                        </p:cTn>
-                                        <p:tgtEl>
-                                          <p:spTgt spid="5139"/>
-                                        </p:tgtEl>
-                                        <p:attrNameLst>
-                                          <p:attrName>style.visibility</p:attrName>
-                                        </p:attrNameLst>
-                                      </p:cBhvr>
-                                      <p:to>
-                                        <p:strVal val="visible"/>
-                                      </p:to>
-                                    </p:set>
-                                    <p:animEffect transition="in" filter="box(in)">
-                                      <p:cBhvr>
-                                        <p:cTn id="7" dur="500"/>
-                                        <p:tgtEl>
-                                          <p:spTgt spid="5139"/>
-                                        </p:tgtEl>
-                                      </p:cBhvr>
-                                    </p:animEffect>
-                                  </p:childTnLst>
-                                </p:cTn>
-                              </p:par>
-                            </p:childTnLst>
-                          </p:cTn>
-                        </p:par>
-                      </p:childTnLst>
-                    </p:cTn>
-                  </p:par>
-                  <p:par>
-                    <p:cTn id="8" fill="hold" nodeType="clickPar">
-                      <p:stCondLst>
-                        <p:cond delay="indefinite"/>
-                      </p:stCondLst>
-                      <p:childTnLst>
-                        <p:par>
-                          <p:cTn id="9" fill="hold" nodeType="withGroup">
-                            <p:stCondLst>
-                              <p:cond delay="0"/>
-                            </p:stCondLst>
-                            <p:childTnLst>
-                              <p:par>
-                                <p:cTn id="10" presetID="4" presetClass="entr" presetSubtype="16" fill="hold" grpId="0" nodeType="clickEffect">
-                                  <p:stCondLst>
-                                    <p:cond delay="0"/>
-                                  </p:stCondLst>
-                                  <p:childTnLst>
-                                    <p:set>
-                                      <p:cBhvr>
-                                        <p:cTn id="11" dur="1" fill="hold">
-                                          <p:stCondLst>
-                                            <p:cond delay="0"/>
-                                          </p:stCondLst>
-                                        </p:cTn>
-                                        <p:tgtEl>
-                                          <p:spTgt spid="24"/>
-                                        </p:tgtEl>
-                                        <p:attrNameLst>
-                                          <p:attrName>style.visibility</p:attrName>
-                                        </p:attrNameLst>
-                                      </p:cBhvr>
-                                      <p:to>
-                                        <p:strVal val="visible"/>
-                                      </p:to>
-                                    </p:set>
-                                    <p:animEffect transition="in" filter="box(in)">
-                                      <p:cBhvr>
-                                        <p:cTn id="12" dur="500"/>
-                                        <p:tgtEl>
-                                          <p:spTgt spid="24"/>
-                                        </p:tgtEl>
-                                      </p:cBhvr>
-                                    </p:animEffect>
-                                  </p:childTnLst>
-                                </p:cTn>
-                              </p:par>
-                            </p:childTnLst>
-                          </p:cTn>
-                        </p:par>
-                      </p:childTnLst>
-                    </p:cTn>
-                  </p:par>
-                </p:childTnLst>
-              </p:cTn>
-              <p:prevCondLst>
-                <p:cond evt="onPrev" delay="0">
-                  <p:tgtEl>
-                    <p:sldTgt/>
-                  </p:tgtEl>
-                </p:cond>
-              </p:prevCondLst>
-              <p:nextCondLst>
-                <p:cond evt="onNext" delay="0">
-                  <p:tgtEl>
-                    <p:sldTgt/>
-                  </p:tgtEl>
-                </p:cond>
-              </p:nextCondLst>
-            </p:seq>
-          </p:childTnLst>
-        </p:cTn>
-      </p:par>
-    </p:tnLst>
-    <p:bldLst>
-      <p:bldP spid="5139" grpId="0"/>
-      <p:bldP spid="24" grpId="0"/>
-    </p:bldLst>
-  </p:timing>
-</p:sld>
-</file>
-
-<file path=ppt/slides/slide32.xml><?xml version="1.0" encoding="utf-8"?>
-<p:sld xmlns:a="http://schemas.openxmlformats.org/drawingml/2006/main" xmlns:r="http://schemas.openxmlformats.org/officeDocument/2006/relationships" xmlns:p="http://schemas.openxmlformats.org/presentationml/2006/main">
-  <p:cSld>
-    <p:spTree>
-      <p:nvGrpSpPr>
-        <p:cNvPr id="1" name=""/>
-        <p:cNvGrpSpPr/>
-        <p:nvPr/>
-      </p:nvGrpSpPr>
-      <p:grpSpPr>
-        <a:xfrm>
-          <a:off x="0" y="0"/>
-          <a:ext cx="0" cy="0"/>
-          <a:chOff x="0" y="0"/>
-          <a:chExt cx="0" cy="0"/>
-        </a:xfrm>
-      </p:grpSpPr>
-      <p:pic>
-        <p:nvPicPr>
-          <p:cNvPr id="2" name="Imagen 1"/>
-          <p:cNvPicPr>
-            <a:picLocks noChangeAspect="1"/>
-          </p:cNvPicPr>
-          <p:nvPr/>
-        </p:nvPicPr>
-        <p:blipFill>
-          <a:blip r:embed="rId2">
-            <a:extLst>
-              <a:ext uri="{28A0092B-C50C-407E-A947-70E740481C1C}">
-                <a14:useLocalDpi xmlns:a14="http://schemas.microsoft.com/office/drawing/2010/main" val="0"/>
-              </a:ext>
-            </a:extLst>
-          </a:blip>
-          <a:stretch>
-            <a:fillRect/>
-          </a:stretch>
-        </p:blipFill>
-        <p:spPr>
-          <a:xfrm>
-            <a:off x="2916046" y="2204864"/>
-            <a:ext cx="5904426" cy="4248472"/>
-          </a:xfrm>
-          <a:prstGeom prst="rect">
-            <a:avLst/>
-          </a:prstGeom>
-        </p:spPr>
-      </p:pic>
-      <p:sp>
-        <p:nvSpPr>
-          <p:cNvPr id="5138" name="Rectangle 17"/>
-          <p:cNvSpPr txBox="1">
-            <a:spLocks noChangeArrowheads="1"/>
-          </p:cNvSpPr>
-          <p:nvPr/>
-        </p:nvSpPr>
-        <p:spPr bwMode="auto">
-          <a:xfrm>
-            <a:off x="539782" y="1623361"/>
-            <a:ext cx="7416824" cy="849263"/>
-          </a:xfrm>
-          <a:prstGeom prst="rect">
-            <a:avLst/>
-          </a:prstGeom>
-          <a:noFill/>
-          <a:ln>
-            <a:noFill/>
-          </a:ln>
-          <a:extLst>
-            <a:ext uri="{909E8E84-426E-40DD-AFC4-6F175D3DCCD1}">
-              <a14:hiddenFill xmlns:a14="http://schemas.microsoft.com/office/drawing/2010/main">
-                <a:solidFill>
-                  <a:srgbClr val="FFFFFF"/>
-                </a:solidFill>
-              </a14:hiddenFill>
-            </a:ext>
-            <a:ext uri="{91240B29-F687-4F45-9708-019B960494DF}">
-              <a14:hiddenLine xmlns:a14="http://schemas.microsoft.com/office/drawing/2010/main" w="9525">
-                <a:solidFill>
-                  <a:srgbClr val="000000"/>
-                </a:solidFill>
-                <a:miter lim="800000"/>
-                <a:headEnd/>
-                <a:tailEnd/>
-              </a14:hiddenLine>
-            </a:ext>
-          </a:extLst>
-        </p:spPr>
-        <p:txBody>
-          <a:bodyPr lIns="92075" tIns="46038" rIns="92075" bIns="46038"/>
-          <a:lstStyle>
-            <a:lvl1pPr marL="342900" indent="-342900">
-              <a:defRPr sz="1600">
-                <a:solidFill>
-                  <a:schemeClr val="tx1"/>
-                </a:solidFill>
-                <a:latin typeface="Times New Roman" pitchFamily="18" charset="0"/>
-              </a:defRPr>
-            </a:lvl1pPr>
-            <a:lvl2pPr marL="742950" indent="-285750">
-              <a:defRPr sz="1600">
-                <a:solidFill>
-                  <a:schemeClr val="tx1"/>
-                </a:solidFill>
-                <a:latin typeface="Times New Roman" pitchFamily="18" charset="0"/>
-              </a:defRPr>
-            </a:lvl2pPr>
-            <a:lvl3pPr marL="1143000" indent="-228600">
-              <a:defRPr sz="1600">
-                <a:solidFill>
-                  <a:schemeClr val="tx1"/>
-                </a:solidFill>
-                <a:latin typeface="Times New Roman" pitchFamily="18" charset="0"/>
-              </a:defRPr>
-            </a:lvl3pPr>
-            <a:lvl4pPr marL="1600200" indent="-228600">
-              <a:defRPr sz="1600">
-                <a:solidFill>
-                  <a:schemeClr val="tx1"/>
-                </a:solidFill>
-                <a:latin typeface="Times New Roman" pitchFamily="18" charset="0"/>
-              </a:defRPr>
-            </a:lvl4pPr>
-            <a:lvl5pPr marL="2057400" indent="-228600">
-              <a:defRPr sz="1600">
-                <a:solidFill>
-                  <a:schemeClr val="tx1"/>
-                </a:solidFill>
-                <a:latin typeface="Times New Roman" pitchFamily="18" charset="0"/>
-              </a:defRPr>
-            </a:lvl5pPr>
-            <a:lvl6pPr marL="2514600" indent="-228600" eaLnBrk="0" fontAlgn="base" hangingPunct="0">
-              <a:spcBef>
-                <a:spcPct val="0"/>
-              </a:spcBef>
-              <a:spcAft>
-                <a:spcPct val="0"/>
-              </a:spcAft>
-              <a:defRPr sz="1600">
-                <a:solidFill>
-                  <a:schemeClr val="tx1"/>
-                </a:solidFill>
-                <a:latin typeface="Times New Roman" pitchFamily="18" charset="0"/>
-              </a:defRPr>
-            </a:lvl6pPr>
-            <a:lvl7pPr marL="2971800" indent="-228600" eaLnBrk="0" fontAlgn="base" hangingPunct="0">
-              <a:spcBef>
-                <a:spcPct val="0"/>
-              </a:spcBef>
-              <a:spcAft>
-                <a:spcPct val="0"/>
-              </a:spcAft>
-              <a:defRPr sz="1600">
-                <a:solidFill>
-                  <a:schemeClr val="tx1"/>
-                </a:solidFill>
-                <a:latin typeface="Times New Roman" pitchFamily="18" charset="0"/>
-              </a:defRPr>
-            </a:lvl7pPr>
-            <a:lvl8pPr marL="3429000" indent="-228600" eaLnBrk="0" fontAlgn="base" hangingPunct="0">
-              <a:spcBef>
-                <a:spcPct val="0"/>
-              </a:spcBef>
-              <a:spcAft>
-                <a:spcPct val="0"/>
-              </a:spcAft>
-              <a:defRPr sz="1600">
-                <a:solidFill>
-                  <a:schemeClr val="tx1"/>
-                </a:solidFill>
-                <a:latin typeface="Times New Roman" pitchFamily="18" charset="0"/>
-              </a:defRPr>
-            </a:lvl8pPr>
-            <a:lvl9pPr marL="3886200" indent="-228600" eaLnBrk="0" fontAlgn="base" hangingPunct="0">
-              <a:spcBef>
-                <a:spcPct val="0"/>
-              </a:spcBef>
-              <a:spcAft>
-                <a:spcPct val="0"/>
-              </a:spcAft>
-              <a:defRPr sz="1600">
-                <a:solidFill>
-                  <a:schemeClr val="tx1"/>
-                </a:solidFill>
-                <a:latin typeface="Times New Roman" pitchFamily="18" charset="0"/>
-              </a:defRPr>
-            </a:lvl9pPr>
-          </a:lstStyle>
-          <a:p>
-            <a:pPr>
-              <a:lnSpc>
-                <a:spcPct val="150000"/>
-              </a:lnSpc>
-              <a:buClr>
-                <a:schemeClr val="tx2"/>
-              </a:buClr>
-              <a:buSzPct val="70000"/>
-              <a:buFont typeface="Wingdings" pitchFamily="2" charset="2"/>
-              <a:buChar char="¡"/>
-            </a:pPr>
-            <a:r>
-              <a:rPr lang="es-MX" dirty="0">
-                <a:latin typeface="ZapfHumnst BT"/>
-              </a:rPr>
-              <a:t>Facilita las comunicaciones entre </a:t>
-            </a:r>
-            <a:r>
-              <a:rPr lang="es-MX" b="1" dirty="0">
-                <a:solidFill>
-                  <a:schemeClr val="accent6">
-                    <a:lumMod val="75000"/>
-                  </a:schemeClr>
-                </a:solidFill>
-                <a:latin typeface="ZapfHumnst BT"/>
-              </a:rPr>
-              <a:t>equipos móviles </a:t>
-            </a:r>
-            <a:r>
-              <a:rPr lang="es-MX" dirty="0">
-                <a:latin typeface="ZapfHumnst BT"/>
-              </a:rPr>
-              <a:t>y fijos.</a:t>
-            </a:r>
-            <a:endParaRPr lang="es-MX" sz="1800" dirty="0">
-              <a:latin typeface="ZapfHumnst BT"/>
-            </a:endParaRPr>
-          </a:p>
-        </p:txBody>
-      </p:sp>
-      <p:sp>
-        <p:nvSpPr>
-          <p:cNvPr id="10" name="Rectangle 17"/>
-          <p:cNvSpPr txBox="1">
-            <a:spLocks noChangeArrowheads="1"/>
-          </p:cNvSpPr>
-          <p:nvPr/>
-        </p:nvSpPr>
-        <p:spPr bwMode="auto">
-          <a:xfrm>
-            <a:off x="539782" y="2127417"/>
-            <a:ext cx="2376264" cy="1857375"/>
-          </a:xfrm>
-          <a:prstGeom prst="rect">
-            <a:avLst/>
-          </a:prstGeom>
-          <a:noFill/>
-          <a:ln>
-            <a:noFill/>
-          </a:ln>
-          <a:extLst>
-            <a:ext uri="{909E8E84-426E-40DD-AFC4-6F175D3DCCD1}">
-              <a14:hiddenFill xmlns:a14="http://schemas.microsoft.com/office/drawing/2010/main">
-                <a:solidFill>
-                  <a:srgbClr val="FFFFFF"/>
-                </a:solidFill>
-              </a14:hiddenFill>
-            </a:ext>
-            <a:ext uri="{91240B29-F687-4F45-9708-019B960494DF}">
-              <a14:hiddenLine xmlns:a14="http://schemas.microsoft.com/office/drawing/2010/main" w="9525">
-                <a:solidFill>
-                  <a:srgbClr val="000000"/>
-                </a:solidFill>
-                <a:miter lim="800000"/>
-                <a:headEnd/>
-                <a:tailEnd/>
-              </a14:hiddenLine>
-            </a:ext>
-          </a:extLst>
-        </p:spPr>
-        <p:txBody>
-          <a:bodyPr lIns="92075" tIns="46038" rIns="92075" bIns="46038"/>
-          <a:lstStyle>
-            <a:lvl1pPr marL="342900" indent="-342900">
-              <a:defRPr sz="1600">
-                <a:solidFill>
-                  <a:schemeClr val="tx1"/>
-                </a:solidFill>
-                <a:latin typeface="Times New Roman" pitchFamily="18" charset="0"/>
-              </a:defRPr>
-            </a:lvl1pPr>
-            <a:lvl2pPr marL="742950" indent="-285750">
-              <a:defRPr sz="1600">
-                <a:solidFill>
-                  <a:schemeClr val="tx1"/>
-                </a:solidFill>
-                <a:latin typeface="Times New Roman" pitchFamily="18" charset="0"/>
-              </a:defRPr>
-            </a:lvl2pPr>
-            <a:lvl3pPr marL="1143000" indent="-228600">
-              <a:defRPr sz="1600">
-                <a:solidFill>
-                  <a:schemeClr val="tx1"/>
-                </a:solidFill>
-                <a:latin typeface="Times New Roman" pitchFamily="18" charset="0"/>
-              </a:defRPr>
-            </a:lvl3pPr>
-            <a:lvl4pPr marL="1600200" indent="-228600">
-              <a:defRPr sz="1600">
-                <a:solidFill>
-                  <a:schemeClr val="tx1"/>
-                </a:solidFill>
-                <a:latin typeface="Times New Roman" pitchFamily="18" charset="0"/>
-              </a:defRPr>
-            </a:lvl4pPr>
-            <a:lvl5pPr marL="2057400" indent="-228600">
-              <a:defRPr sz="1600">
-                <a:solidFill>
-                  <a:schemeClr val="tx1"/>
-                </a:solidFill>
-                <a:latin typeface="Times New Roman" pitchFamily="18" charset="0"/>
-              </a:defRPr>
-            </a:lvl5pPr>
-            <a:lvl6pPr marL="2514600" indent="-228600" eaLnBrk="0" fontAlgn="base" hangingPunct="0">
-              <a:spcBef>
-                <a:spcPct val="0"/>
-              </a:spcBef>
-              <a:spcAft>
-                <a:spcPct val="0"/>
-              </a:spcAft>
-              <a:defRPr sz="1600">
-                <a:solidFill>
-                  <a:schemeClr val="tx1"/>
-                </a:solidFill>
-                <a:latin typeface="Times New Roman" pitchFamily="18" charset="0"/>
-              </a:defRPr>
-            </a:lvl6pPr>
-            <a:lvl7pPr marL="2971800" indent="-228600" eaLnBrk="0" fontAlgn="base" hangingPunct="0">
-              <a:spcBef>
-                <a:spcPct val="0"/>
-              </a:spcBef>
-              <a:spcAft>
-                <a:spcPct val="0"/>
-              </a:spcAft>
-              <a:defRPr sz="1600">
-                <a:solidFill>
-                  <a:schemeClr val="tx1"/>
-                </a:solidFill>
-                <a:latin typeface="Times New Roman" pitchFamily="18" charset="0"/>
-              </a:defRPr>
-            </a:lvl7pPr>
-            <a:lvl8pPr marL="3429000" indent="-228600" eaLnBrk="0" fontAlgn="base" hangingPunct="0">
-              <a:spcBef>
-                <a:spcPct val="0"/>
-              </a:spcBef>
-              <a:spcAft>
-                <a:spcPct val="0"/>
-              </a:spcAft>
-              <a:defRPr sz="1600">
-                <a:solidFill>
-                  <a:schemeClr val="tx1"/>
-                </a:solidFill>
-                <a:latin typeface="Times New Roman" pitchFamily="18" charset="0"/>
-              </a:defRPr>
-            </a:lvl8pPr>
-            <a:lvl9pPr marL="3886200" indent="-228600" eaLnBrk="0" fontAlgn="base" hangingPunct="0">
-              <a:spcBef>
-                <a:spcPct val="0"/>
-              </a:spcBef>
-              <a:spcAft>
-                <a:spcPct val="0"/>
-              </a:spcAft>
-              <a:defRPr sz="1600">
-                <a:solidFill>
-                  <a:schemeClr val="tx1"/>
-                </a:solidFill>
-                <a:latin typeface="Times New Roman" pitchFamily="18" charset="0"/>
-              </a:defRPr>
-            </a:lvl9pPr>
-          </a:lstStyle>
-          <a:p>
-            <a:pPr>
-              <a:lnSpc>
-                <a:spcPct val="150000"/>
-              </a:lnSpc>
-              <a:buClr>
-                <a:schemeClr val="tx2"/>
-              </a:buClr>
-              <a:buSzPct val="70000"/>
-              <a:buFont typeface="Wingdings" pitchFamily="2" charset="2"/>
-              <a:buChar char="¡"/>
-            </a:pPr>
-            <a:r>
-              <a:rPr lang="es-MX" dirty="0">
-                <a:latin typeface="ZapfHumnst BT"/>
-              </a:rPr>
-              <a:t>Ofrece la posibilidad de crear pequeñas redes inalámbricas y facilitar la sincronización de datos entre equipos personales</a:t>
-            </a:r>
-            <a:r>
-              <a:rPr lang="es-MX" sz="1800" dirty="0">
-                <a:latin typeface="ZapfHumnst BT"/>
-              </a:rPr>
-              <a:t>.</a:t>
-            </a:r>
-          </a:p>
-        </p:txBody>
-      </p:sp>
-      <p:sp>
-        <p:nvSpPr>
-          <p:cNvPr id="6" name="Rectangle 2"/>
-          <p:cNvSpPr txBox="1">
-            <a:spLocks noChangeArrowheads="1"/>
-          </p:cNvSpPr>
-          <p:nvPr/>
-        </p:nvSpPr>
-        <p:spPr>
-          <a:xfrm>
-            <a:off x="755576" y="764704"/>
-            <a:ext cx="2304256" cy="893382"/>
-          </a:xfrm>
-          <a:prstGeom prst="rect">
-            <a:avLst/>
-          </a:prstGeom>
-        </p:spPr>
-        <p:txBody>
-          <a:bodyPr vert="horz" lIns="92075" tIns="46038" rIns="92075" bIns="46038" rtlCol="0" anchor="ctr">
-            <a:noAutofit/>
-          </a:bodyPr>
-          <a:lstStyle>
-            <a:lvl1pPr algn="ctr" defTabSz="914400" rtl="0" eaLnBrk="1" latinLnBrk="0" hangingPunct="1">
-              <a:spcBef>
-                <a:spcPct val="0"/>
-              </a:spcBef>
-              <a:buNone/>
-              <a:defRPr sz="4400" kern="1200">
-                <a:solidFill>
-                  <a:schemeClr val="tx1"/>
-                </a:solidFill>
-                <a:latin typeface="+mj-lt"/>
-                <a:ea typeface="+mj-ea"/>
-                <a:cs typeface="+mj-cs"/>
-              </a:defRPr>
-            </a:lvl1pPr>
-          </a:lstStyle>
-          <a:p>
-            <a:pPr algn="l">
-              <a:defRPr/>
-            </a:pPr>
-            <a:r>
-              <a:rPr lang="es-ES_tradnl" sz="3200" dirty="0">
-                <a:solidFill>
-                  <a:srgbClr val="3333CC"/>
-                </a:solidFill>
-                <a:effectLst>
-                  <a:outerShdw blurRad="38100" dist="38100" dir="2700000" algn="tl">
-                    <a:srgbClr val="C0C0C0"/>
-                  </a:outerShdw>
-                </a:effectLst>
-                <a:latin typeface="Dom Casual" charset="0"/>
-              </a:rPr>
-              <a:t> </a:t>
-            </a:r>
-            <a:r>
-              <a:rPr lang="es-ES_tradnl" sz="2800" b="1" dirty="0">
-                <a:solidFill>
-                  <a:schemeClr val="accent5">
-                    <a:lumMod val="75000"/>
-                  </a:schemeClr>
-                </a:solidFill>
-                <a:effectLst>
-                  <a:outerShdw blurRad="38100" dist="38100" dir="2700000" algn="tl">
-                    <a:srgbClr val="C0C0C0"/>
-                  </a:outerShdw>
-                </a:effectLst>
-                <a:latin typeface="+mn-lt"/>
-              </a:rPr>
-              <a:t>Bluetooth</a:t>
-            </a:r>
-          </a:p>
-        </p:txBody>
-      </p:sp>
-      <p:sp>
-        <p:nvSpPr>
-          <p:cNvPr id="8" name="Rectangle 2"/>
-          <p:cNvSpPr txBox="1">
-            <a:spLocks noChangeArrowheads="1"/>
-          </p:cNvSpPr>
-          <p:nvPr/>
-        </p:nvSpPr>
-        <p:spPr>
-          <a:xfrm>
-            <a:off x="179512" y="-18256"/>
-            <a:ext cx="8964488" cy="1449440"/>
-          </a:xfrm>
-          <a:prstGeom prst="rect">
-            <a:avLst/>
-          </a:prstGeom>
-        </p:spPr>
-        <p:txBody>
-          <a:bodyPr vert="horz" lIns="92075" tIns="46038" rIns="92075" bIns="46038" rtlCol="0" anchor="ctr">
-            <a:noAutofit/>
-          </a:bodyPr>
-          <a:lstStyle>
-            <a:lvl1pPr algn="ctr" defTabSz="914400" rtl="0" eaLnBrk="1" latinLnBrk="0" hangingPunct="1">
-              <a:spcBef>
-                <a:spcPct val="0"/>
-              </a:spcBef>
-              <a:buNone/>
-              <a:defRPr sz="4400" kern="1200">
-                <a:solidFill>
-                  <a:schemeClr val="tx1"/>
-                </a:solidFill>
-                <a:latin typeface="+mj-lt"/>
-                <a:ea typeface="+mj-ea"/>
-                <a:cs typeface="+mj-cs"/>
-              </a:defRPr>
-            </a:lvl1pPr>
-          </a:lstStyle>
-          <a:p>
-            <a:pPr>
-              <a:lnSpc>
-                <a:spcPts val="4000"/>
-              </a:lnSpc>
-              <a:defRPr/>
-            </a:pPr>
-            <a:r>
-              <a:rPr lang="es-ES_tradnl" sz="3200" dirty="0">
-                <a:solidFill>
-                  <a:srgbClr val="3333CC"/>
-                </a:solidFill>
-                <a:effectLst>
-                  <a:outerShdw blurRad="38100" dist="38100" dir="2700000" algn="tl">
-                    <a:srgbClr val="C0C0C0"/>
-                  </a:outerShdw>
-                </a:effectLst>
-                <a:latin typeface="Dom Casual" charset="0"/>
-              </a:rPr>
-              <a:t> </a:t>
-            </a:r>
-            <a:r>
-              <a:rPr lang="es-ES_tradnl" sz="3200" b="1" dirty="0">
-                <a:solidFill>
-                  <a:schemeClr val="accent4">
-                    <a:lumMod val="50000"/>
-                  </a:schemeClr>
-                </a:solidFill>
-                <a:effectLst>
-                  <a:outerShdw blurRad="38100" dist="38100" dir="2700000" algn="tl">
-                    <a:srgbClr val="C0C0C0"/>
-                  </a:outerShdw>
-                </a:effectLst>
-                <a:latin typeface="Dom Casual" charset="0"/>
-              </a:rPr>
-              <a:t>1. PAN</a:t>
-            </a:r>
-            <a:endParaRPr lang="es-ES_tradnl" sz="3200" b="1" dirty="0">
-              <a:solidFill>
-                <a:srgbClr val="666699"/>
-              </a:solidFill>
-              <a:effectLst>
-                <a:outerShdw blurRad="38100" dist="38100" dir="2700000" algn="tl">
-                  <a:srgbClr val="C0C0C0"/>
-                </a:outerShdw>
-              </a:effectLst>
-              <a:latin typeface="Dom Casual" charset="0"/>
-            </a:endParaRPr>
-          </a:p>
-        </p:txBody>
-      </p:sp>
-    </p:spTree>
-    <p:extLst>
-      <p:ext uri="{BB962C8B-B14F-4D97-AF65-F5344CB8AC3E}">
-        <p14:creationId xmlns:p14="http://schemas.microsoft.com/office/powerpoint/2010/main" val="527973057"/>
-      </p:ext>
-    </p:extLst>
-  </p:cSld>
-  <p:clrMapOvr>
-    <a:masterClrMapping/>
-  </p:clrMapOvr>
-  <p:timing>
-    <p:tnLst>
-      <p:par>
-        <p:cTn id="1" dur="indefinite" restart="never" nodeType="tmRoot">
-          <p:childTnLst>
-            <p:seq concurrent="1" nextAc="seek">
-              <p:cTn id="2" dur="indefinite" nodeType="mainSeq">
-                <p:childTnLst>
-                  <p:par>
-                    <p:cTn id="3" fill="hold" nodeType="clickPar">
-                      <p:stCondLst>
-                        <p:cond delay="indefinite"/>
-                      </p:stCondLst>
-                      <p:childTnLst>
-                        <p:par>
-                          <p:cTn id="4" fill="hold" nodeType="withGroup">
-                            <p:stCondLst>
-                              <p:cond delay="0"/>
-                            </p:stCondLst>
-                            <p:childTnLst>
-                              <p:par>
-                                <p:cTn id="5" presetID="4" presetClass="entr" presetSubtype="16" fill="hold" grpId="0" nodeType="clickEffect">
-                                  <p:stCondLst>
-                                    <p:cond delay="0"/>
-                                  </p:stCondLst>
-                                  <p:childTnLst>
-                                    <p:set>
-                                      <p:cBhvr>
-                                        <p:cTn id="6" dur="1" fill="hold">
-                                          <p:stCondLst>
-                                            <p:cond delay="0"/>
-                                          </p:stCondLst>
-                                        </p:cTn>
-                                        <p:tgtEl>
-                                          <p:spTgt spid="5138"/>
-                                        </p:tgtEl>
-                                        <p:attrNameLst>
-                                          <p:attrName>style.visibility</p:attrName>
-                                        </p:attrNameLst>
-                                      </p:cBhvr>
-                                      <p:to>
-                                        <p:strVal val="visible"/>
-                                      </p:to>
-                                    </p:set>
-                                    <p:animEffect transition="in" filter="box(in)">
-                                      <p:cBhvr>
-                                        <p:cTn id="7" dur="500"/>
-                                        <p:tgtEl>
-                                          <p:spTgt spid="5138"/>
-                                        </p:tgtEl>
-                                      </p:cBhvr>
-                                    </p:animEffect>
-                                  </p:childTnLst>
-                                </p:cTn>
-                              </p:par>
-                            </p:childTnLst>
-                          </p:cTn>
-                        </p:par>
-                      </p:childTnLst>
-                    </p:cTn>
-                  </p:par>
-                  <p:par>
-                    <p:cTn id="8" fill="hold">
-                      <p:stCondLst>
-                        <p:cond delay="indefinite"/>
-                      </p:stCondLst>
-                      <p:childTnLst>
-                        <p:par>
-                          <p:cTn id="9" fill="hold">
-                            <p:stCondLst>
-                              <p:cond delay="0"/>
-                            </p:stCondLst>
-                            <p:childTnLst>
-                              <p:par>
-                                <p:cTn id="10" presetID="4" presetClass="entr" presetSubtype="16" fill="hold" grpId="0" nodeType="clickEffect">
-                                  <p:stCondLst>
-                                    <p:cond delay="0"/>
-                                  </p:stCondLst>
-                                  <p:childTnLst>
-                                    <p:set>
-                                      <p:cBhvr>
-                                        <p:cTn id="11" dur="1" fill="hold">
-                                          <p:stCondLst>
-                                            <p:cond delay="0"/>
-                                          </p:stCondLst>
-                                        </p:cTn>
-                                        <p:tgtEl>
-                                          <p:spTgt spid="10"/>
-                                        </p:tgtEl>
-                                        <p:attrNameLst>
-                                          <p:attrName>style.visibility</p:attrName>
-                                        </p:attrNameLst>
-                                      </p:cBhvr>
-                                      <p:to>
-                                        <p:strVal val="visible"/>
-                                      </p:to>
-                                    </p:set>
-                                    <p:animEffect transition="in" filter="box(in)">
-                                      <p:cBhvr>
-                                        <p:cTn id="12" dur="500"/>
-                                        <p:tgtEl>
-                                          <p:spTgt spid="10"/>
-                                        </p:tgtEl>
-                                      </p:cBhvr>
-                                    </p:animEffect>
-                                  </p:childTnLst>
-                                </p:cTn>
-                              </p:par>
-                            </p:childTnLst>
-                          </p:cTn>
-                        </p:par>
-                      </p:childTnLst>
-                    </p:cTn>
-                  </p:par>
-                </p:childTnLst>
-              </p:cTn>
-              <p:prevCondLst>
-                <p:cond evt="onPrev" delay="0">
-                  <p:tgtEl>
-                    <p:sldTgt/>
-                  </p:tgtEl>
-                </p:cond>
-              </p:prevCondLst>
-              <p:nextCondLst>
-                <p:cond evt="onNext" delay="0">
-                  <p:tgtEl>
-                    <p:sldTgt/>
-                  </p:tgtEl>
-                </p:cond>
-              </p:nextCondLst>
-            </p:seq>
-          </p:childTnLst>
-        </p:cTn>
-      </p:par>
-    </p:tnLst>
-    <p:bldLst>
-      <p:bldP spid="5138" grpId="0"/>
-      <p:bldP spid="10" grpId="0"/>
-    </p:bldLst>
-  </p:timing>
-</p:sld>
-</file>
-
-<file path=ppt/slides/slide33.xml><?xml version="1.0" encoding="utf-8"?>
-<p:sld xmlns:a="http://schemas.openxmlformats.org/drawingml/2006/main" xmlns:r="http://schemas.openxmlformats.org/officeDocument/2006/relationships" xmlns:p="http://schemas.openxmlformats.org/presentationml/2006/main">
-  <p:cSld>
-    <p:spTree>
-      <p:nvGrpSpPr>
-        <p:cNvPr id="1" name=""/>
-        <p:cNvGrpSpPr/>
-        <p:nvPr/>
-      </p:nvGrpSpPr>
-      <p:grpSpPr>
-        <a:xfrm>
-          <a:off x="0" y="0"/>
-          <a:ext cx="0" cy="0"/>
-          <a:chOff x="0" y="0"/>
-          <a:chExt cx="0" cy="0"/>
-        </a:xfrm>
-      </p:grpSpPr>
-      <p:pic>
-        <p:nvPicPr>
           <p:cNvPr id="8" name="Imagen 7"/>
           <p:cNvPicPr>
             <a:picLocks noChangeAspect="1"/>
@@ -24041,7 +22668,7 @@
 </p:sld>
 </file>
 
-<file path=ppt/slides/slide34.xml><?xml version="1.0" encoding="utf-8"?>
+<file path=ppt/slides/slide32.xml><?xml version="1.0" encoding="utf-8"?>
 <p:sld xmlns:a="http://schemas.openxmlformats.org/drawingml/2006/main" xmlns:r="http://schemas.openxmlformats.org/officeDocument/2006/relationships" xmlns:p="http://schemas.openxmlformats.org/presentationml/2006/main">
   <p:cSld>
     <p:spTree>
@@ -24380,7 +23007,7 @@
 </p:sld>
 </file>
 
-<file path=ppt/slides/slide35.xml><?xml version="1.0" encoding="utf-8"?>
+<file path=ppt/slides/slide33.xml><?xml version="1.0" encoding="utf-8"?>
 <p:sld xmlns:a="http://schemas.openxmlformats.org/drawingml/2006/main" xmlns:r="http://schemas.openxmlformats.org/officeDocument/2006/relationships" xmlns:p="http://schemas.openxmlformats.org/presentationml/2006/main">
   <p:cSld>
     <p:spTree>
@@ -25029,7 +23656,7 @@
 </p:sld>
 </file>
 
-<file path=ppt/slides/slide36.xml><?xml version="1.0" encoding="utf-8"?>
+<file path=ppt/slides/slide34.xml><?xml version="1.0" encoding="utf-8"?>
 <p:sld xmlns:a="http://schemas.openxmlformats.org/drawingml/2006/main" xmlns:r="http://schemas.openxmlformats.org/officeDocument/2006/relationships" xmlns:p="http://schemas.openxmlformats.org/presentationml/2006/main">
   <p:cSld>
     <p:spTree>
@@ -25765,7 +24392,7 @@
 </p:sld>
 </file>
 
-<file path=ppt/slides/slide37.xml><?xml version="1.0" encoding="utf-8"?>
+<file path=ppt/slides/slide35.xml><?xml version="1.0" encoding="utf-8"?>
 <p:sld xmlns:a="http://schemas.openxmlformats.org/drawingml/2006/main" xmlns:r="http://schemas.openxmlformats.org/officeDocument/2006/relationships" xmlns:p="http://schemas.openxmlformats.org/presentationml/2006/main">
   <p:cSld>
     <p:spTree>
@@ -26401,7 +25028,7 @@
 </p:sld>
 </file>
 
-<file path=ppt/slides/slide38.xml><?xml version="1.0" encoding="utf-8"?>
+<file path=ppt/slides/slide36.xml><?xml version="1.0" encoding="utf-8"?>
 <p:sld xmlns:a="http://schemas.openxmlformats.org/drawingml/2006/main" xmlns:r="http://schemas.openxmlformats.org/officeDocument/2006/relationships" xmlns:p="http://schemas.openxmlformats.org/presentationml/2006/main">
   <p:cSld>
     <p:spTree>
@@ -27089,7 +25716,7 @@
 </p:sld>
 </file>
 
-<file path=ppt/slides/slide39.xml><?xml version="1.0" encoding="utf-8"?>
+<file path=ppt/slides/slide37.xml><?xml version="1.0" encoding="utf-8"?>
 <p:sld xmlns:a="http://schemas.openxmlformats.org/drawingml/2006/main" xmlns:r="http://schemas.openxmlformats.org/officeDocument/2006/relationships" xmlns:p="http://schemas.openxmlformats.org/presentationml/2006/main">
   <p:cSld>
     <p:spTree>
@@ -27889,6 +26516,1030 @@
 </p:sld>
 </file>
 
+<file path=ppt/slides/slide38.xml><?xml version="1.0" encoding="utf-8"?>
+<p:sld xmlns:a="http://schemas.openxmlformats.org/drawingml/2006/main" xmlns:r="http://schemas.openxmlformats.org/officeDocument/2006/relationships" xmlns:p="http://schemas.openxmlformats.org/presentationml/2006/main">
+  <p:cSld>
+    <p:bg>
+      <p:bgPr>
+        <a:solidFill>
+          <a:schemeClr val="bg1"/>
+        </a:solidFill>
+        <a:effectLst/>
+      </p:bgPr>
+    </p:bg>
+    <p:spTree>
+      <p:nvGrpSpPr>
+        <p:cNvPr id="1" name=""/>
+        <p:cNvGrpSpPr/>
+        <p:nvPr/>
+      </p:nvGrpSpPr>
+      <p:grpSpPr>
+        <a:xfrm>
+          <a:off x="0" y="0"/>
+          <a:ext cx="0" cy="0"/>
+          <a:chOff x="0" y="0"/>
+          <a:chExt cx="0" cy="0"/>
+        </a:xfrm>
+      </p:grpSpPr>
+      <p:sp useBgFill="1">
+        <p:nvSpPr>
+          <p:cNvPr id="14" name="Rectangle 13">
+            <a:extLst>
+              <a:ext uri="{FF2B5EF4-FFF2-40B4-BE49-F238E27FC236}">
+                <a16:creationId xmlns:a16="http://schemas.microsoft.com/office/drawing/2014/main" id="{99ED5833-B85B-4103-8A3B-CAB0308E6C15}"/>
+              </a:ext>
+              <a:ext uri="{C183D7F6-B498-43B3-948B-1728B52AA6E4}">
+                <adec:decorative xmlns:adec="http://schemas.microsoft.com/office/drawing/2017/decorative" val="1"/>
+              </a:ext>
+            </a:extLst>
+          </p:cNvPr>
+          <p:cNvSpPr>
+            <a:spLocks noGrp="1" noRot="1" noChangeAspect="1" noMove="1" noResize="1" noEditPoints="1" noAdjustHandles="1" noChangeArrowheads="1" noChangeShapeType="1" noTextEdit="1"/>
+          </p:cNvSpPr>
+          <p:nvPr>
+            <p:extLst>
+              <p:ext uri="{386F3935-93C4-4BCD-93E2-E3B085C9AB24}">
+                <p16:designElem xmlns:p16="http://schemas.microsoft.com/office/powerpoint/2015/main" val="1"/>
+              </p:ext>
+            </p:extLst>
+          </p:nvPr>
+        </p:nvSpPr>
+        <p:spPr>
+          <a:xfrm>
+            <a:off x="0" y="0"/>
+            <a:ext cx="9141713" cy="6858000"/>
+          </a:xfrm>
+          <a:prstGeom prst="rect">
+            <a:avLst/>
+          </a:prstGeom>
+          <a:ln>
+            <a:noFill/>
+          </a:ln>
+        </p:spPr>
+        <p:style>
+          <a:lnRef idx="2">
+            <a:schemeClr val="accent1">
+              <a:shade val="50000"/>
+            </a:schemeClr>
+          </a:lnRef>
+          <a:fillRef idx="1">
+            <a:schemeClr val="accent1"/>
+          </a:fillRef>
+          <a:effectRef idx="0">
+            <a:schemeClr val="accent1"/>
+          </a:effectRef>
+          <a:fontRef idx="minor">
+            <a:schemeClr val="lt1"/>
+          </a:fontRef>
+        </p:style>
+        <p:txBody>
+          <a:bodyPr rtlCol="0" anchor="ctr"/>
+          <a:lstStyle/>
+          <a:p>
+            <a:pPr algn="ctr"/>
+            <a:endParaRPr lang="en-US" dirty="0"/>
+          </a:p>
+        </p:txBody>
+      </p:sp>
+      <p:sp>
+        <p:nvSpPr>
+          <p:cNvPr id="15" name="Rectangle 2">
+            <a:extLst>
+              <a:ext uri="{FF2B5EF4-FFF2-40B4-BE49-F238E27FC236}">
+                <a16:creationId xmlns:a16="http://schemas.microsoft.com/office/drawing/2014/main" id="{5DDCEF2C-7C94-40EE-A59C-A68FF47BDBE4}"/>
+              </a:ext>
+            </a:extLst>
+          </p:cNvPr>
+          <p:cNvSpPr txBox="1">
+            <a:spLocks noChangeArrowheads="1"/>
+          </p:cNvSpPr>
+          <p:nvPr/>
+        </p:nvSpPr>
+        <p:spPr>
+          <a:xfrm>
+            <a:off x="177225" y="120147"/>
+            <a:ext cx="8964488" cy="1143000"/>
+          </a:xfrm>
+          <a:prstGeom prst="rect">
+            <a:avLst/>
+          </a:prstGeom>
+        </p:spPr>
+        <p:txBody>
+          <a:bodyPr vert="horz" lIns="92075" tIns="46038" rIns="92075" bIns="46038" rtlCol="0" anchor="ctr">
+            <a:noAutofit/>
+          </a:bodyPr>
+          <a:lstStyle>
+            <a:lvl1pPr algn="ctr" defTabSz="914400" rtl="0" eaLnBrk="1" latinLnBrk="0" hangingPunct="1">
+              <a:spcBef>
+                <a:spcPct val="0"/>
+              </a:spcBef>
+              <a:buNone/>
+              <a:defRPr sz="4400" kern="1200">
+                <a:solidFill>
+                  <a:schemeClr val="tx1"/>
+                </a:solidFill>
+                <a:latin typeface="+mj-lt"/>
+                <a:ea typeface="+mj-ea"/>
+                <a:cs typeface="+mj-cs"/>
+              </a:defRPr>
+            </a:lvl1pPr>
+          </a:lstStyle>
+          <a:p>
+            <a:pPr>
+              <a:defRPr/>
+            </a:pPr>
+            <a:r>
+              <a:rPr lang="es-ES_tradnl" sz="3200" dirty="0">
+                <a:solidFill>
+                  <a:srgbClr val="3333CC"/>
+                </a:solidFill>
+                <a:effectLst>
+                  <a:outerShdw blurRad="38100" dist="38100" dir="2700000" algn="tl">
+                    <a:srgbClr val="C0C0C0"/>
+                  </a:outerShdw>
+                </a:effectLst>
+                <a:latin typeface="Dom Casual" charset="0"/>
+              </a:rPr>
+              <a:t> </a:t>
+            </a:r>
+            <a:r>
+              <a:rPr lang="es-ES_tradnl" sz="3200" b="1" dirty="0">
+                <a:solidFill>
+                  <a:schemeClr val="accent4">
+                    <a:lumMod val="50000"/>
+                  </a:schemeClr>
+                </a:solidFill>
+                <a:effectLst>
+                  <a:outerShdw blurRad="38100" dist="38100" dir="2700000" algn="tl">
+                    <a:srgbClr val="C0C0C0"/>
+                  </a:outerShdw>
+                </a:effectLst>
+                <a:latin typeface="Dom Casual" charset="0"/>
+              </a:rPr>
+              <a:t>Redes por extensión geográfica</a:t>
+            </a:r>
+          </a:p>
+        </p:txBody>
+      </p:sp>
+      <p:pic>
+        <p:nvPicPr>
+          <p:cNvPr id="7" name="Imagen 6">
+            <a:extLst>
+              <a:ext uri="{FF2B5EF4-FFF2-40B4-BE49-F238E27FC236}">
+                <a16:creationId xmlns:a16="http://schemas.microsoft.com/office/drawing/2014/main" id="{13ACB41E-254D-4469-BEFD-5FC87CF4FEBC}"/>
+              </a:ext>
+            </a:extLst>
+          </p:cNvPr>
+          <p:cNvPicPr>
+            <a:picLocks noChangeAspect="1"/>
+          </p:cNvPicPr>
+          <p:nvPr/>
+        </p:nvPicPr>
+        <p:blipFill>
+          <a:blip r:embed="rId2"/>
+          <a:stretch>
+            <a:fillRect/>
+          </a:stretch>
+        </p:blipFill>
+        <p:spPr>
+          <a:xfrm>
+            <a:off x="827584" y="3687848"/>
+            <a:ext cx="4316390" cy="2808312"/>
+          </a:xfrm>
+          <a:prstGeom prst="rect">
+            <a:avLst/>
+          </a:prstGeom>
+        </p:spPr>
+      </p:pic>
+      <p:pic>
+        <p:nvPicPr>
+          <p:cNvPr id="5" name="Imagen 4">
+            <a:extLst>
+              <a:ext uri="{FF2B5EF4-FFF2-40B4-BE49-F238E27FC236}">
+                <a16:creationId xmlns:a16="http://schemas.microsoft.com/office/drawing/2014/main" id="{F7AE5778-D3E0-491E-9563-7507AEA72F88}"/>
+              </a:ext>
+            </a:extLst>
+          </p:cNvPr>
+          <p:cNvPicPr>
+            <a:picLocks noChangeAspect="1"/>
+          </p:cNvPicPr>
+          <p:nvPr/>
+        </p:nvPicPr>
+        <p:blipFill>
+          <a:blip r:embed="rId3"/>
+          <a:stretch>
+            <a:fillRect/>
+          </a:stretch>
+        </p:blipFill>
+        <p:spPr>
+          <a:xfrm>
+            <a:off x="4211960" y="1383294"/>
+            <a:ext cx="4371196" cy="2426013"/>
+          </a:xfrm>
+          <a:prstGeom prst="rect">
+            <a:avLst/>
+          </a:prstGeom>
+        </p:spPr>
+      </p:pic>
+    </p:spTree>
+    <p:extLst>
+      <p:ext uri="{BB962C8B-B14F-4D97-AF65-F5344CB8AC3E}">
+        <p14:creationId xmlns:p14="http://schemas.microsoft.com/office/powerpoint/2010/main" val="3469563446"/>
+      </p:ext>
+    </p:extLst>
+  </p:cSld>
+  <p:clrMapOvr>
+    <a:masterClrMapping/>
+  </p:clrMapOvr>
+</p:sld>
+</file>
+
+<file path=ppt/slides/slide39.xml><?xml version="1.0" encoding="utf-8"?>
+<p:sld xmlns:a="http://schemas.openxmlformats.org/drawingml/2006/main" xmlns:r="http://schemas.openxmlformats.org/officeDocument/2006/relationships" xmlns:p="http://schemas.openxmlformats.org/presentationml/2006/main">
+  <p:cSld>
+    <p:spTree>
+      <p:nvGrpSpPr>
+        <p:cNvPr id="1" name=""/>
+        <p:cNvGrpSpPr/>
+        <p:nvPr/>
+      </p:nvGrpSpPr>
+      <p:grpSpPr>
+        <a:xfrm>
+          <a:off x="0" y="0"/>
+          <a:ext cx="0" cy="0"/>
+          <a:chOff x="0" y="0"/>
+          <a:chExt cx="0" cy="0"/>
+        </a:xfrm>
+      </p:grpSpPr>
+      <p:sp>
+        <p:nvSpPr>
+          <p:cNvPr id="3" name="object 3"/>
+          <p:cNvSpPr txBox="1"/>
+          <p:nvPr/>
+        </p:nvSpPr>
+        <p:spPr>
+          <a:xfrm>
+            <a:off x="503483" y="2165435"/>
+            <a:ext cx="1761173" cy="784830"/>
+          </a:xfrm>
+          <a:prstGeom prst="rect">
+            <a:avLst/>
+          </a:prstGeom>
+        </p:spPr>
+        <p:txBody>
+          <a:bodyPr vert="horz" wrap="square" lIns="0" tIns="0" rIns="0" bIns="0" rtlCol="0">
+            <a:spAutoFit/>
+          </a:bodyPr>
+          <a:lstStyle/>
+          <a:p>
+            <a:pPr algn="ctr">
+              <a:lnSpc>
+                <a:spcPct val="100000"/>
+              </a:lnSpc>
+            </a:pPr>
+            <a:r>
+              <a:rPr sz="2100" b="1" spc="-19" dirty="0">
+                <a:solidFill>
+                  <a:srgbClr val="44536A"/>
+                </a:solidFill>
+                <a:latin typeface="Calibri"/>
+                <a:cs typeface="Calibri"/>
+              </a:rPr>
+              <a:t>TERMIN</a:t>
+            </a:r>
+            <a:r>
+              <a:rPr sz="2100" b="1" spc="-23" dirty="0">
+                <a:solidFill>
+                  <a:srgbClr val="44536A"/>
+                </a:solidFill>
+                <a:latin typeface="Calibri"/>
+                <a:cs typeface="Calibri"/>
+              </a:rPr>
+              <a:t>A</a:t>
+            </a:r>
+            <a:r>
+              <a:rPr sz="2100" b="1" spc="-11" dirty="0">
+                <a:solidFill>
+                  <a:srgbClr val="44536A"/>
+                </a:solidFill>
+                <a:latin typeface="Calibri"/>
+                <a:cs typeface="Calibri"/>
+              </a:rPr>
+              <a:t>L</a:t>
+            </a:r>
+            <a:r>
+              <a:rPr sz="2100" b="1" spc="-23" dirty="0">
+                <a:solidFill>
+                  <a:srgbClr val="44536A"/>
+                </a:solidFill>
+                <a:latin typeface="Calibri"/>
+                <a:cs typeface="Calibri"/>
+              </a:rPr>
+              <a:t>E</a:t>
+            </a:r>
+            <a:r>
+              <a:rPr sz="2100" b="1" spc="-11" dirty="0">
+                <a:solidFill>
+                  <a:srgbClr val="44536A"/>
+                </a:solidFill>
+                <a:latin typeface="Calibri"/>
+                <a:cs typeface="Calibri"/>
+              </a:rPr>
+              <a:t>S</a:t>
+            </a:r>
+            <a:endParaRPr sz="2100" dirty="0">
+              <a:latin typeface="Calibri"/>
+              <a:cs typeface="Calibri"/>
+            </a:endParaRPr>
+          </a:p>
+          <a:p>
+            <a:pPr marL="39529" algn="ctr">
+              <a:spcBef>
+                <a:spcPts val="41"/>
+              </a:spcBef>
+            </a:pPr>
+            <a:r>
+              <a:rPr sz="1500" b="1" spc="-4" dirty="0">
+                <a:solidFill>
+                  <a:srgbClr val="44536A"/>
+                </a:solidFill>
+                <a:latin typeface="Calibri"/>
+                <a:cs typeface="Calibri"/>
+              </a:rPr>
+              <a:t>Ori</a:t>
+            </a:r>
+            <a:r>
+              <a:rPr sz="1500" b="1" spc="-23" dirty="0">
+                <a:solidFill>
+                  <a:srgbClr val="44536A"/>
+                </a:solidFill>
+                <a:latin typeface="Calibri"/>
+                <a:cs typeface="Calibri"/>
+              </a:rPr>
+              <a:t>g</a:t>
+            </a:r>
+            <a:r>
+              <a:rPr sz="1500" b="1" spc="-4" dirty="0">
+                <a:solidFill>
+                  <a:srgbClr val="44536A"/>
+                </a:solidFill>
+                <a:latin typeface="Calibri"/>
+                <a:cs typeface="Calibri"/>
+              </a:rPr>
+              <a:t>en</a:t>
+            </a:r>
+            <a:r>
+              <a:rPr sz="1500" b="1" spc="4" dirty="0">
+                <a:solidFill>
+                  <a:srgbClr val="44536A"/>
+                </a:solidFill>
+                <a:latin typeface="Calibri"/>
+                <a:cs typeface="Calibri"/>
+              </a:rPr>
+              <a:t>/</a:t>
+            </a:r>
+            <a:r>
+              <a:rPr sz="1500" b="1" spc="-4" dirty="0">
+                <a:solidFill>
+                  <a:srgbClr val="44536A"/>
+                </a:solidFill>
+                <a:latin typeface="Calibri"/>
+                <a:cs typeface="Calibri"/>
+              </a:rPr>
+              <a:t>De</a:t>
+            </a:r>
+            <a:r>
+              <a:rPr sz="1500" b="1" spc="-19" dirty="0">
+                <a:solidFill>
+                  <a:srgbClr val="44536A"/>
+                </a:solidFill>
+                <a:latin typeface="Calibri"/>
+                <a:cs typeface="Calibri"/>
+              </a:rPr>
+              <a:t>s</a:t>
+            </a:r>
+            <a:r>
+              <a:rPr sz="1500" b="1" dirty="0">
+                <a:solidFill>
+                  <a:srgbClr val="44536A"/>
+                </a:solidFill>
+                <a:latin typeface="Calibri"/>
+                <a:cs typeface="Calibri"/>
+              </a:rPr>
+              <a:t>tino</a:t>
+            </a:r>
+            <a:endParaRPr sz="1500" dirty="0">
+              <a:latin typeface="Calibri"/>
+              <a:cs typeface="Calibri"/>
+            </a:endParaRPr>
+          </a:p>
+          <a:p>
+            <a:pPr algn="ctr">
+              <a:lnSpc>
+                <a:spcPct val="100000"/>
+              </a:lnSpc>
+            </a:pPr>
+            <a:r>
+              <a:rPr sz="1500" b="1" spc="-4" dirty="0">
+                <a:solidFill>
+                  <a:srgbClr val="44536A"/>
+                </a:solidFill>
+                <a:latin typeface="Calibri"/>
+                <a:cs typeface="Calibri"/>
+              </a:rPr>
+              <a:t>Clie</a:t>
+            </a:r>
+            <a:r>
+              <a:rPr sz="1500" b="1" spc="-15" dirty="0">
+                <a:solidFill>
+                  <a:srgbClr val="44536A"/>
+                </a:solidFill>
+                <a:latin typeface="Calibri"/>
+                <a:cs typeface="Calibri"/>
+              </a:rPr>
+              <a:t>n</a:t>
+            </a:r>
+            <a:r>
+              <a:rPr sz="1500" b="1" spc="-19" dirty="0">
+                <a:solidFill>
+                  <a:srgbClr val="44536A"/>
+                </a:solidFill>
+                <a:latin typeface="Calibri"/>
+                <a:cs typeface="Calibri"/>
+              </a:rPr>
+              <a:t>t</a:t>
+            </a:r>
+            <a:r>
+              <a:rPr sz="1500" b="1" spc="-4" dirty="0">
+                <a:solidFill>
+                  <a:srgbClr val="44536A"/>
+                </a:solidFill>
+                <a:latin typeface="Calibri"/>
+                <a:cs typeface="Calibri"/>
+              </a:rPr>
+              <a:t>e/</a:t>
+            </a:r>
+            <a:r>
+              <a:rPr sz="1500" b="1" spc="4" dirty="0">
+                <a:solidFill>
+                  <a:srgbClr val="44536A"/>
+                </a:solidFill>
+                <a:latin typeface="Calibri"/>
+                <a:cs typeface="Calibri"/>
+              </a:rPr>
+              <a:t>S</a:t>
+            </a:r>
+            <a:r>
+              <a:rPr sz="1500" b="1" spc="-4" dirty="0">
+                <a:solidFill>
+                  <a:srgbClr val="44536A"/>
+                </a:solidFill>
+                <a:latin typeface="Calibri"/>
+                <a:cs typeface="Calibri"/>
+              </a:rPr>
+              <a:t>e</a:t>
+            </a:r>
+            <a:r>
+              <a:rPr sz="1500" b="1" spc="4" dirty="0">
+                <a:solidFill>
+                  <a:srgbClr val="44536A"/>
+                </a:solidFill>
+                <a:latin typeface="Calibri"/>
+                <a:cs typeface="Calibri"/>
+              </a:rPr>
+              <a:t>r</a:t>
+            </a:r>
+            <a:r>
+              <a:rPr sz="1500" b="1" spc="-4" dirty="0">
+                <a:solidFill>
+                  <a:srgbClr val="44536A"/>
+                </a:solidFill>
+                <a:latin typeface="Calibri"/>
+                <a:cs typeface="Calibri"/>
+              </a:rPr>
+              <a:t>vid</a:t>
+            </a:r>
+            <a:r>
+              <a:rPr sz="1500" b="1" spc="4" dirty="0">
+                <a:solidFill>
+                  <a:srgbClr val="44536A"/>
+                </a:solidFill>
+                <a:latin typeface="Calibri"/>
+                <a:cs typeface="Calibri"/>
+              </a:rPr>
+              <a:t>o</a:t>
+            </a:r>
+            <a:r>
+              <a:rPr sz="1500" b="1" spc="-4" dirty="0">
+                <a:solidFill>
+                  <a:srgbClr val="44536A"/>
+                </a:solidFill>
+                <a:latin typeface="Calibri"/>
+                <a:cs typeface="Calibri"/>
+              </a:rPr>
+              <a:t>r/</a:t>
+            </a:r>
+            <a:r>
+              <a:rPr sz="1500" b="1" spc="-26" dirty="0">
+                <a:solidFill>
+                  <a:srgbClr val="44536A"/>
+                </a:solidFill>
+                <a:latin typeface="Calibri"/>
+                <a:cs typeface="Calibri"/>
+              </a:rPr>
+              <a:t>P</a:t>
+            </a:r>
+            <a:r>
+              <a:rPr sz="1500" b="1" spc="-4" dirty="0">
+                <a:solidFill>
+                  <a:srgbClr val="44536A"/>
+                </a:solidFill>
+                <a:latin typeface="Calibri"/>
+                <a:cs typeface="Calibri"/>
+              </a:rPr>
+              <a:t>eer</a:t>
+            </a:r>
+            <a:endParaRPr sz="1500" dirty="0">
+              <a:latin typeface="Calibri"/>
+              <a:cs typeface="Calibri"/>
+            </a:endParaRPr>
+          </a:p>
+        </p:txBody>
+      </p:sp>
+      <p:sp>
+        <p:nvSpPr>
+          <p:cNvPr id="4" name="object 4"/>
+          <p:cNvSpPr txBox="1"/>
+          <p:nvPr/>
+        </p:nvSpPr>
+        <p:spPr>
+          <a:xfrm>
+            <a:off x="399471" y="3648383"/>
+            <a:ext cx="1966436" cy="1661993"/>
+          </a:xfrm>
+          <a:prstGeom prst="rect">
+            <a:avLst/>
+          </a:prstGeom>
+        </p:spPr>
+        <p:txBody>
+          <a:bodyPr vert="horz" wrap="square" lIns="0" tIns="0" rIns="0" bIns="0" rtlCol="0">
+            <a:spAutoFit/>
+          </a:bodyPr>
+          <a:lstStyle/>
+          <a:p>
+            <a:pPr algn="ctr">
+              <a:lnSpc>
+                <a:spcPct val="100000"/>
+              </a:lnSpc>
+            </a:pPr>
+            <a:r>
+              <a:rPr sz="2100" b="1" spc="-8" dirty="0">
+                <a:solidFill>
+                  <a:srgbClr val="44536A"/>
+                </a:solidFill>
+                <a:latin typeface="Calibri"/>
+                <a:cs typeface="Calibri"/>
+              </a:rPr>
+              <a:t>I</a:t>
+            </a:r>
+            <a:r>
+              <a:rPr sz="2100" b="1" spc="-23" dirty="0">
+                <a:solidFill>
+                  <a:srgbClr val="44536A"/>
+                </a:solidFill>
+                <a:latin typeface="Calibri"/>
+                <a:cs typeface="Calibri"/>
+              </a:rPr>
+              <a:t>N</a:t>
+            </a:r>
+            <a:r>
+              <a:rPr sz="2100" b="1" spc="-15" dirty="0">
+                <a:solidFill>
+                  <a:srgbClr val="44536A"/>
+                </a:solidFill>
+                <a:latin typeface="Calibri"/>
+                <a:cs typeface="Calibri"/>
+              </a:rPr>
+              <a:t>TERMEDIARIOS</a:t>
+            </a:r>
+            <a:endParaRPr sz="2100" dirty="0">
+              <a:latin typeface="Calibri"/>
+              <a:cs typeface="Calibri"/>
+            </a:endParaRPr>
+          </a:p>
+          <a:p>
+            <a:pPr algn="ctr">
+              <a:spcBef>
+                <a:spcPts val="41"/>
+              </a:spcBef>
+            </a:pPr>
+            <a:r>
+              <a:rPr sz="1500" b="1" spc="-4" dirty="0">
+                <a:solidFill>
+                  <a:srgbClr val="44536A"/>
+                </a:solidFill>
+                <a:latin typeface="Calibri"/>
+                <a:cs typeface="Calibri"/>
+              </a:rPr>
+              <a:t>Comu</a:t>
+            </a:r>
+            <a:r>
+              <a:rPr sz="1500" b="1" spc="4" dirty="0">
+                <a:solidFill>
+                  <a:srgbClr val="44536A"/>
+                </a:solidFill>
+                <a:latin typeface="Calibri"/>
+                <a:cs typeface="Calibri"/>
+              </a:rPr>
+              <a:t>n</a:t>
+            </a:r>
+            <a:r>
+              <a:rPr sz="1500" b="1" dirty="0">
+                <a:solidFill>
+                  <a:srgbClr val="44536A"/>
+                </a:solidFill>
+                <a:latin typeface="Calibri"/>
+                <a:cs typeface="Calibri"/>
+              </a:rPr>
+              <a:t>i</a:t>
+            </a:r>
+            <a:r>
+              <a:rPr sz="1500" b="1" spc="-11" dirty="0">
+                <a:solidFill>
+                  <a:srgbClr val="44536A"/>
+                </a:solidFill>
+                <a:latin typeface="Calibri"/>
+                <a:cs typeface="Calibri"/>
+              </a:rPr>
+              <a:t>c</a:t>
+            </a:r>
+            <a:r>
+              <a:rPr sz="1500" b="1" dirty="0">
+                <a:solidFill>
+                  <a:srgbClr val="44536A"/>
+                </a:solidFill>
+                <a:latin typeface="Calibri"/>
+                <a:cs typeface="Calibri"/>
+              </a:rPr>
+              <a:t>aciones/</a:t>
+            </a:r>
+            <a:r>
+              <a:rPr sz="1500" b="1" spc="-30" dirty="0">
+                <a:solidFill>
+                  <a:srgbClr val="44536A"/>
+                </a:solidFill>
+                <a:latin typeface="Calibri"/>
+                <a:cs typeface="Calibri"/>
+              </a:rPr>
+              <a:t>R</a:t>
+            </a:r>
+            <a:r>
+              <a:rPr sz="1500" b="1" spc="-4" dirty="0">
+                <a:solidFill>
+                  <a:srgbClr val="44536A"/>
+                </a:solidFill>
+                <a:latin typeface="Calibri"/>
+                <a:cs typeface="Calibri"/>
+              </a:rPr>
+              <a:t>ed</a:t>
+            </a:r>
+            <a:endParaRPr sz="1500" dirty="0">
+              <a:latin typeface="Calibri"/>
+              <a:cs typeface="Calibri"/>
+            </a:endParaRPr>
+          </a:p>
+          <a:p>
+            <a:pPr>
+              <a:lnSpc>
+                <a:spcPct val="100000"/>
+              </a:lnSpc>
+            </a:pPr>
+            <a:endParaRPr sz="1500" dirty="0">
+              <a:latin typeface="Times New Roman"/>
+              <a:cs typeface="Times New Roman"/>
+            </a:endParaRPr>
+          </a:p>
+          <a:p>
+            <a:pPr>
+              <a:spcBef>
+                <a:spcPts val="38"/>
+              </a:spcBef>
+            </a:pPr>
+            <a:endParaRPr sz="1500" dirty="0">
+              <a:latin typeface="Times New Roman"/>
+              <a:cs typeface="Times New Roman"/>
+            </a:endParaRPr>
+          </a:p>
+          <a:p>
+            <a:pPr marR="54293" algn="ctr"/>
+            <a:r>
+              <a:rPr sz="2100" b="1" spc="-19" dirty="0">
+                <a:solidFill>
+                  <a:srgbClr val="44536A"/>
+                </a:solidFill>
+                <a:latin typeface="Calibri"/>
+                <a:cs typeface="Calibri"/>
+              </a:rPr>
+              <a:t>Medio</a:t>
+            </a:r>
+            <a:r>
+              <a:rPr sz="2100" b="1" spc="-11" dirty="0">
+                <a:solidFill>
+                  <a:srgbClr val="44536A"/>
+                </a:solidFill>
+                <a:latin typeface="Calibri"/>
+                <a:cs typeface="Calibri"/>
+              </a:rPr>
+              <a:t>s</a:t>
+            </a:r>
+            <a:r>
+              <a:rPr sz="2100" b="1" spc="11" dirty="0">
+                <a:solidFill>
+                  <a:srgbClr val="44536A"/>
+                </a:solidFill>
+                <a:latin typeface="Calibri"/>
+                <a:cs typeface="Calibri"/>
+              </a:rPr>
+              <a:t> </a:t>
+            </a:r>
+            <a:r>
+              <a:rPr sz="2100" b="1" spc="-11" dirty="0">
+                <a:solidFill>
+                  <a:srgbClr val="44536A"/>
+                </a:solidFill>
+                <a:latin typeface="Calibri"/>
+                <a:cs typeface="Calibri"/>
+              </a:rPr>
+              <a:t>de</a:t>
+            </a:r>
+            <a:endParaRPr sz="2100" dirty="0">
+              <a:latin typeface="Calibri"/>
+              <a:cs typeface="Calibri"/>
+            </a:endParaRPr>
+          </a:p>
+          <a:p>
+            <a:pPr marL="1429" algn="ctr"/>
+            <a:r>
+              <a:rPr lang="es-ES" sz="2100" b="1" spc="-124" dirty="0">
+                <a:solidFill>
+                  <a:srgbClr val="44536A"/>
+                </a:solidFill>
+                <a:latin typeface="Calibri"/>
+                <a:cs typeface="Calibri"/>
+              </a:rPr>
+              <a:t>t</a:t>
+            </a:r>
+            <a:r>
+              <a:rPr sz="2100" b="1" spc="-49" dirty="0" err="1">
+                <a:solidFill>
+                  <a:srgbClr val="44536A"/>
+                </a:solidFill>
+                <a:latin typeface="Calibri"/>
+                <a:cs typeface="Calibri"/>
+              </a:rPr>
+              <a:t>r</a:t>
+            </a:r>
+            <a:r>
+              <a:rPr sz="2100" b="1" spc="-11" dirty="0" err="1">
+                <a:solidFill>
+                  <a:srgbClr val="44536A"/>
+                </a:solidFill>
+                <a:latin typeface="Calibri"/>
+                <a:cs typeface="Calibri"/>
+              </a:rPr>
+              <a:t>ans</a:t>
+            </a:r>
+            <a:r>
+              <a:rPr sz="2100" b="1" spc="-15" dirty="0" err="1">
+                <a:solidFill>
+                  <a:srgbClr val="44536A"/>
+                </a:solidFill>
+                <a:latin typeface="Calibri"/>
+                <a:cs typeface="Calibri"/>
+              </a:rPr>
+              <a:t>m</a:t>
+            </a:r>
+            <a:r>
+              <a:rPr sz="2100" b="1" spc="-11" dirty="0" err="1">
+                <a:solidFill>
+                  <a:srgbClr val="44536A"/>
+                </a:solidFill>
+                <a:latin typeface="Calibri"/>
+                <a:cs typeface="Calibri"/>
+              </a:rPr>
+              <a:t>isión</a:t>
+            </a:r>
+            <a:endParaRPr sz="2100" dirty="0">
+              <a:latin typeface="Calibri"/>
+              <a:cs typeface="Calibri"/>
+            </a:endParaRPr>
+          </a:p>
+        </p:txBody>
+      </p:sp>
+      <p:sp>
+        <p:nvSpPr>
+          <p:cNvPr id="5" name="object 5"/>
+          <p:cNvSpPr/>
+          <p:nvPr/>
+        </p:nvSpPr>
+        <p:spPr>
+          <a:xfrm>
+            <a:off x="297211" y="3318151"/>
+            <a:ext cx="8519636" cy="17621"/>
+          </a:xfrm>
+          <a:custGeom>
+            <a:avLst/>
+            <a:gdLst/>
+            <a:ahLst/>
+            <a:cxnLst/>
+            <a:rect l="l" t="t" r="r" b="b"/>
+            <a:pathLst>
+              <a:path w="11359515" h="23495">
+                <a:moveTo>
+                  <a:pt x="0" y="0"/>
+                </a:moveTo>
+                <a:lnTo>
+                  <a:pt x="11359007" y="22987"/>
+                </a:lnTo>
+              </a:path>
+            </a:pathLst>
+          </a:custGeom>
+          <a:ln w="6096">
+            <a:solidFill>
+              <a:srgbClr val="E22C91"/>
+            </a:solidFill>
+            <a:prstDash val="dash"/>
+          </a:ln>
+        </p:spPr>
+        <p:txBody>
+          <a:bodyPr wrap="square" lIns="0" tIns="0" rIns="0" bIns="0" rtlCol="0"/>
+          <a:lstStyle/>
+          <a:p>
+            <a:endParaRPr sz="1350" dirty="0"/>
+          </a:p>
+        </p:txBody>
+      </p:sp>
+      <p:sp>
+        <p:nvSpPr>
+          <p:cNvPr id="6" name="object 6"/>
+          <p:cNvSpPr/>
+          <p:nvPr/>
+        </p:nvSpPr>
+        <p:spPr>
+          <a:xfrm>
+            <a:off x="297211" y="4514873"/>
+            <a:ext cx="8519636" cy="17621"/>
+          </a:xfrm>
+          <a:custGeom>
+            <a:avLst/>
+            <a:gdLst/>
+            <a:ahLst/>
+            <a:cxnLst/>
+            <a:rect l="l" t="t" r="r" b="b"/>
+            <a:pathLst>
+              <a:path w="11359515" h="23495">
+                <a:moveTo>
+                  <a:pt x="0" y="0"/>
+                </a:moveTo>
+                <a:lnTo>
+                  <a:pt x="11359007" y="22986"/>
+                </a:lnTo>
+              </a:path>
+            </a:pathLst>
+          </a:custGeom>
+          <a:ln w="6096">
+            <a:solidFill>
+              <a:srgbClr val="E22C91"/>
+            </a:solidFill>
+            <a:prstDash val="dash"/>
+          </a:ln>
+        </p:spPr>
+        <p:txBody>
+          <a:bodyPr wrap="square" lIns="0" tIns="0" rIns="0" bIns="0" rtlCol="0"/>
+          <a:lstStyle/>
+          <a:p>
+            <a:endParaRPr sz="1350" dirty="0"/>
+          </a:p>
+        </p:txBody>
+      </p:sp>
+      <p:sp>
+        <p:nvSpPr>
+          <p:cNvPr id="7" name="object 7"/>
+          <p:cNvSpPr/>
+          <p:nvPr/>
+        </p:nvSpPr>
+        <p:spPr>
+          <a:xfrm>
+            <a:off x="2483768" y="1844824"/>
+            <a:ext cx="6333363" cy="3456432"/>
+          </a:xfrm>
+          <a:prstGeom prst="rect">
+            <a:avLst/>
+          </a:prstGeom>
+          <a:blipFill>
+            <a:blip r:embed="rId3" cstate="print"/>
+            <a:stretch>
+              <a:fillRect/>
+            </a:stretch>
+          </a:blipFill>
+        </p:spPr>
+        <p:txBody>
+          <a:bodyPr wrap="square" lIns="0" tIns="0" rIns="0" bIns="0" rtlCol="0"/>
+          <a:lstStyle/>
+          <a:p>
+            <a:endParaRPr sz="1350" dirty="0"/>
+          </a:p>
+        </p:txBody>
+      </p:sp>
+      <p:sp>
+        <p:nvSpPr>
+          <p:cNvPr id="9" name="Rectangle 2">
+            <a:extLst>
+              <a:ext uri="{FF2B5EF4-FFF2-40B4-BE49-F238E27FC236}">
+                <a16:creationId xmlns:a16="http://schemas.microsoft.com/office/drawing/2014/main" id="{06A72229-3705-4BE7-BFEF-3A88D510A161}"/>
+              </a:ext>
+            </a:extLst>
+          </p:cNvPr>
+          <p:cNvSpPr txBox="1">
+            <a:spLocks noChangeArrowheads="1"/>
+          </p:cNvSpPr>
+          <p:nvPr/>
+        </p:nvSpPr>
+        <p:spPr>
+          <a:xfrm>
+            <a:off x="177225" y="120147"/>
+            <a:ext cx="8964488" cy="1143000"/>
+          </a:xfrm>
+          <a:prstGeom prst="rect">
+            <a:avLst/>
+          </a:prstGeom>
+        </p:spPr>
+        <p:txBody>
+          <a:bodyPr vert="horz" lIns="92075" tIns="46038" rIns="92075" bIns="46038" rtlCol="0" anchor="ctr">
+            <a:noAutofit/>
+          </a:bodyPr>
+          <a:lstStyle>
+            <a:lvl1pPr algn="ctr" defTabSz="914400" rtl="0" eaLnBrk="1" latinLnBrk="0" hangingPunct="1">
+              <a:spcBef>
+                <a:spcPct val="0"/>
+              </a:spcBef>
+              <a:buNone/>
+              <a:defRPr sz="4400" kern="1200">
+                <a:solidFill>
+                  <a:schemeClr val="tx1"/>
+                </a:solidFill>
+                <a:latin typeface="+mj-lt"/>
+                <a:ea typeface="+mj-ea"/>
+                <a:cs typeface="+mj-cs"/>
+              </a:defRPr>
+            </a:lvl1pPr>
+          </a:lstStyle>
+          <a:p>
+            <a:pPr>
+              <a:defRPr/>
+            </a:pPr>
+            <a:r>
+              <a:rPr lang="es-ES_tradnl" sz="3200" dirty="0">
+                <a:solidFill>
+                  <a:srgbClr val="3333CC"/>
+                </a:solidFill>
+                <a:effectLst>
+                  <a:outerShdw blurRad="38100" dist="38100" dir="2700000" algn="tl">
+                    <a:srgbClr val="C0C0C0"/>
+                  </a:outerShdw>
+                </a:effectLst>
+                <a:latin typeface="Dom Casual" charset="0"/>
+              </a:rPr>
+              <a:t> </a:t>
+            </a:r>
+            <a:r>
+              <a:rPr lang="es-ES_tradnl" sz="3200" b="1" dirty="0">
+                <a:solidFill>
+                  <a:schemeClr val="accent4">
+                    <a:lumMod val="50000"/>
+                  </a:schemeClr>
+                </a:solidFill>
+                <a:effectLst>
+                  <a:outerShdw blurRad="38100" dist="38100" dir="2700000" algn="tl">
+                    <a:srgbClr val="C0C0C0"/>
+                  </a:outerShdw>
+                </a:effectLst>
+                <a:latin typeface="Dom Casual" charset="0"/>
+              </a:rPr>
+              <a:t>Tipos de dispositivos</a:t>
+            </a:r>
+          </a:p>
+        </p:txBody>
+      </p:sp>
+    </p:spTree>
+  </p:cSld>
+  <p:clrMapOvr>
+    <a:masterClrMapping/>
+  </p:clrMapOvr>
+  <p:transition/>
+</p:sld>
+</file>
+
 <file path=ppt/slides/slide4.xml><?xml version="1.0" encoding="utf-8"?>
 <p:sld xmlns:a="http://schemas.openxmlformats.org/drawingml/2006/main" xmlns:r="http://schemas.openxmlformats.org/officeDocument/2006/relationships" xmlns:p="http://schemas.openxmlformats.org/presentationml/2006/main">
   <p:cSld>
@@ -28708,1030 +28359,6 @@
 </file>
 
 <file path=ppt/slides/slide40.xml><?xml version="1.0" encoding="utf-8"?>
-<p:sld xmlns:a="http://schemas.openxmlformats.org/drawingml/2006/main" xmlns:r="http://schemas.openxmlformats.org/officeDocument/2006/relationships" xmlns:p="http://schemas.openxmlformats.org/presentationml/2006/main">
-  <p:cSld>
-    <p:bg>
-      <p:bgPr>
-        <a:solidFill>
-          <a:schemeClr val="bg1"/>
-        </a:solidFill>
-        <a:effectLst/>
-      </p:bgPr>
-    </p:bg>
-    <p:spTree>
-      <p:nvGrpSpPr>
-        <p:cNvPr id="1" name=""/>
-        <p:cNvGrpSpPr/>
-        <p:nvPr/>
-      </p:nvGrpSpPr>
-      <p:grpSpPr>
-        <a:xfrm>
-          <a:off x="0" y="0"/>
-          <a:ext cx="0" cy="0"/>
-          <a:chOff x="0" y="0"/>
-          <a:chExt cx="0" cy="0"/>
-        </a:xfrm>
-      </p:grpSpPr>
-      <p:sp useBgFill="1">
-        <p:nvSpPr>
-          <p:cNvPr id="14" name="Rectangle 13">
-            <a:extLst>
-              <a:ext uri="{FF2B5EF4-FFF2-40B4-BE49-F238E27FC236}">
-                <a16:creationId xmlns:a16="http://schemas.microsoft.com/office/drawing/2014/main" id="{99ED5833-B85B-4103-8A3B-CAB0308E6C15}"/>
-              </a:ext>
-              <a:ext uri="{C183D7F6-B498-43B3-948B-1728B52AA6E4}">
-                <adec:decorative xmlns:adec="http://schemas.microsoft.com/office/drawing/2017/decorative" val="1"/>
-              </a:ext>
-            </a:extLst>
-          </p:cNvPr>
-          <p:cNvSpPr>
-            <a:spLocks noGrp="1" noRot="1" noChangeAspect="1" noMove="1" noResize="1" noEditPoints="1" noAdjustHandles="1" noChangeArrowheads="1" noChangeShapeType="1" noTextEdit="1"/>
-          </p:cNvSpPr>
-          <p:nvPr>
-            <p:extLst>
-              <p:ext uri="{386F3935-93C4-4BCD-93E2-E3B085C9AB24}">
-                <p16:designElem xmlns:p16="http://schemas.microsoft.com/office/powerpoint/2015/main" val="1"/>
-              </p:ext>
-            </p:extLst>
-          </p:nvPr>
-        </p:nvSpPr>
-        <p:spPr>
-          <a:xfrm>
-            <a:off x="0" y="0"/>
-            <a:ext cx="9141713" cy="6858000"/>
-          </a:xfrm>
-          <a:prstGeom prst="rect">
-            <a:avLst/>
-          </a:prstGeom>
-          <a:ln>
-            <a:noFill/>
-          </a:ln>
-        </p:spPr>
-        <p:style>
-          <a:lnRef idx="2">
-            <a:schemeClr val="accent1">
-              <a:shade val="50000"/>
-            </a:schemeClr>
-          </a:lnRef>
-          <a:fillRef idx="1">
-            <a:schemeClr val="accent1"/>
-          </a:fillRef>
-          <a:effectRef idx="0">
-            <a:schemeClr val="accent1"/>
-          </a:effectRef>
-          <a:fontRef idx="minor">
-            <a:schemeClr val="lt1"/>
-          </a:fontRef>
-        </p:style>
-        <p:txBody>
-          <a:bodyPr rtlCol="0" anchor="ctr"/>
-          <a:lstStyle/>
-          <a:p>
-            <a:pPr algn="ctr"/>
-            <a:endParaRPr lang="en-US" dirty="0"/>
-          </a:p>
-        </p:txBody>
-      </p:sp>
-      <p:sp>
-        <p:nvSpPr>
-          <p:cNvPr id="15" name="Rectangle 2">
-            <a:extLst>
-              <a:ext uri="{FF2B5EF4-FFF2-40B4-BE49-F238E27FC236}">
-                <a16:creationId xmlns:a16="http://schemas.microsoft.com/office/drawing/2014/main" id="{5DDCEF2C-7C94-40EE-A59C-A68FF47BDBE4}"/>
-              </a:ext>
-            </a:extLst>
-          </p:cNvPr>
-          <p:cNvSpPr txBox="1">
-            <a:spLocks noChangeArrowheads="1"/>
-          </p:cNvSpPr>
-          <p:nvPr/>
-        </p:nvSpPr>
-        <p:spPr>
-          <a:xfrm>
-            <a:off x="177225" y="120147"/>
-            <a:ext cx="8964488" cy="1143000"/>
-          </a:xfrm>
-          <a:prstGeom prst="rect">
-            <a:avLst/>
-          </a:prstGeom>
-        </p:spPr>
-        <p:txBody>
-          <a:bodyPr vert="horz" lIns="92075" tIns="46038" rIns="92075" bIns="46038" rtlCol="0" anchor="ctr">
-            <a:noAutofit/>
-          </a:bodyPr>
-          <a:lstStyle>
-            <a:lvl1pPr algn="ctr" defTabSz="914400" rtl="0" eaLnBrk="1" latinLnBrk="0" hangingPunct="1">
-              <a:spcBef>
-                <a:spcPct val="0"/>
-              </a:spcBef>
-              <a:buNone/>
-              <a:defRPr sz="4400" kern="1200">
-                <a:solidFill>
-                  <a:schemeClr val="tx1"/>
-                </a:solidFill>
-                <a:latin typeface="+mj-lt"/>
-                <a:ea typeface="+mj-ea"/>
-                <a:cs typeface="+mj-cs"/>
-              </a:defRPr>
-            </a:lvl1pPr>
-          </a:lstStyle>
-          <a:p>
-            <a:pPr>
-              <a:defRPr/>
-            </a:pPr>
-            <a:r>
-              <a:rPr lang="es-ES_tradnl" sz="3200" dirty="0">
-                <a:solidFill>
-                  <a:srgbClr val="3333CC"/>
-                </a:solidFill>
-                <a:effectLst>
-                  <a:outerShdw blurRad="38100" dist="38100" dir="2700000" algn="tl">
-                    <a:srgbClr val="C0C0C0"/>
-                  </a:outerShdw>
-                </a:effectLst>
-                <a:latin typeface="Dom Casual" charset="0"/>
-              </a:rPr>
-              <a:t> </a:t>
-            </a:r>
-            <a:r>
-              <a:rPr lang="es-ES_tradnl" sz="3200" b="1" dirty="0">
-                <a:solidFill>
-                  <a:schemeClr val="accent4">
-                    <a:lumMod val="50000"/>
-                  </a:schemeClr>
-                </a:solidFill>
-                <a:effectLst>
-                  <a:outerShdw blurRad="38100" dist="38100" dir="2700000" algn="tl">
-                    <a:srgbClr val="C0C0C0"/>
-                  </a:outerShdw>
-                </a:effectLst>
-                <a:latin typeface="Dom Casual" charset="0"/>
-              </a:rPr>
-              <a:t>Redes por extensión geográfica</a:t>
-            </a:r>
-          </a:p>
-        </p:txBody>
-      </p:sp>
-      <p:pic>
-        <p:nvPicPr>
-          <p:cNvPr id="7" name="Imagen 6">
-            <a:extLst>
-              <a:ext uri="{FF2B5EF4-FFF2-40B4-BE49-F238E27FC236}">
-                <a16:creationId xmlns:a16="http://schemas.microsoft.com/office/drawing/2014/main" id="{13ACB41E-254D-4469-BEFD-5FC87CF4FEBC}"/>
-              </a:ext>
-            </a:extLst>
-          </p:cNvPr>
-          <p:cNvPicPr>
-            <a:picLocks noChangeAspect="1"/>
-          </p:cNvPicPr>
-          <p:nvPr/>
-        </p:nvPicPr>
-        <p:blipFill>
-          <a:blip r:embed="rId2"/>
-          <a:stretch>
-            <a:fillRect/>
-          </a:stretch>
-        </p:blipFill>
-        <p:spPr>
-          <a:xfrm>
-            <a:off x="827584" y="3687848"/>
-            <a:ext cx="4316390" cy="2808312"/>
-          </a:xfrm>
-          <a:prstGeom prst="rect">
-            <a:avLst/>
-          </a:prstGeom>
-        </p:spPr>
-      </p:pic>
-      <p:pic>
-        <p:nvPicPr>
-          <p:cNvPr id="5" name="Imagen 4">
-            <a:extLst>
-              <a:ext uri="{FF2B5EF4-FFF2-40B4-BE49-F238E27FC236}">
-                <a16:creationId xmlns:a16="http://schemas.microsoft.com/office/drawing/2014/main" id="{F7AE5778-D3E0-491E-9563-7507AEA72F88}"/>
-              </a:ext>
-            </a:extLst>
-          </p:cNvPr>
-          <p:cNvPicPr>
-            <a:picLocks noChangeAspect="1"/>
-          </p:cNvPicPr>
-          <p:nvPr/>
-        </p:nvPicPr>
-        <p:blipFill>
-          <a:blip r:embed="rId3"/>
-          <a:stretch>
-            <a:fillRect/>
-          </a:stretch>
-        </p:blipFill>
-        <p:spPr>
-          <a:xfrm>
-            <a:off x="4211960" y="1383294"/>
-            <a:ext cx="4371196" cy="2426013"/>
-          </a:xfrm>
-          <a:prstGeom prst="rect">
-            <a:avLst/>
-          </a:prstGeom>
-        </p:spPr>
-      </p:pic>
-    </p:spTree>
-    <p:extLst>
-      <p:ext uri="{BB962C8B-B14F-4D97-AF65-F5344CB8AC3E}">
-        <p14:creationId xmlns:p14="http://schemas.microsoft.com/office/powerpoint/2010/main" val="3469563446"/>
-      </p:ext>
-    </p:extLst>
-  </p:cSld>
-  <p:clrMapOvr>
-    <a:masterClrMapping/>
-  </p:clrMapOvr>
-</p:sld>
-</file>
-
-<file path=ppt/slides/slide41.xml><?xml version="1.0" encoding="utf-8"?>
-<p:sld xmlns:a="http://schemas.openxmlformats.org/drawingml/2006/main" xmlns:r="http://schemas.openxmlformats.org/officeDocument/2006/relationships" xmlns:p="http://schemas.openxmlformats.org/presentationml/2006/main">
-  <p:cSld>
-    <p:spTree>
-      <p:nvGrpSpPr>
-        <p:cNvPr id="1" name=""/>
-        <p:cNvGrpSpPr/>
-        <p:nvPr/>
-      </p:nvGrpSpPr>
-      <p:grpSpPr>
-        <a:xfrm>
-          <a:off x="0" y="0"/>
-          <a:ext cx="0" cy="0"/>
-          <a:chOff x="0" y="0"/>
-          <a:chExt cx="0" cy="0"/>
-        </a:xfrm>
-      </p:grpSpPr>
-      <p:sp>
-        <p:nvSpPr>
-          <p:cNvPr id="3" name="object 3"/>
-          <p:cNvSpPr txBox="1"/>
-          <p:nvPr/>
-        </p:nvSpPr>
-        <p:spPr>
-          <a:xfrm>
-            <a:off x="503483" y="2165435"/>
-            <a:ext cx="1761173" cy="784830"/>
-          </a:xfrm>
-          <a:prstGeom prst="rect">
-            <a:avLst/>
-          </a:prstGeom>
-        </p:spPr>
-        <p:txBody>
-          <a:bodyPr vert="horz" wrap="square" lIns="0" tIns="0" rIns="0" bIns="0" rtlCol="0">
-            <a:spAutoFit/>
-          </a:bodyPr>
-          <a:lstStyle/>
-          <a:p>
-            <a:pPr algn="ctr">
-              <a:lnSpc>
-                <a:spcPct val="100000"/>
-              </a:lnSpc>
-            </a:pPr>
-            <a:r>
-              <a:rPr sz="2100" b="1" spc="-19" dirty="0">
-                <a:solidFill>
-                  <a:srgbClr val="44536A"/>
-                </a:solidFill>
-                <a:latin typeface="Calibri"/>
-                <a:cs typeface="Calibri"/>
-              </a:rPr>
-              <a:t>TERMIN</a:t>
-            </a:r>
-            <a:r>
-              <a:rPr sz="2100" b="1" spc="-23" dirty="0">
-                <a:solidFill>
-                  <a:srgbClr val="44536A"/>
-                </a:solidFill>
-                <a:latin typeface="Calibri"/>
-                <a:cs typeface="Calibri"/>
-              </a:rPr>
-              <a:t>A</a:t>
-            </a:r>
-            <a:r>
-              <a:rPr sz="2100" b="1" spc="-11" dirty="0">
-                <a:solidFill>
-                  <a:srgbClr val="44536A"/>
-                </a:solidFill>
-                <a:latin typeface="Calibri"/>
-                <a:cs typeface="Calibri"/>
-              </a:rPr>
-              <a:t>L</a:t>
-            </a:r>
-            <a:r>
-              <a:rPr sz="2100" b="1" spc="-23" dirty="0">
-                <a:solidFill>
-                  <a:srgbClr val="44536A"/>
-                </a:solidFill>
-                <a:latin typeface="Calibri"/>
-                <a:cs typeface="Calibri"/>
-              </a:rPr>
-              <a:t>E</a:t>
-            </a:r>
-            <a:r>
-              <a:rPr sz="2100" b="1" spc="-11" dirty="0">
-                <a:solidFill>
-                  <a:srgbClr val="44536A"/>
-                </a:solidFill>
-                <a:latin typeface="Calibri"/>
-                <a:cs typeface="Calibri"/>
-              </a:rPr>
-              <a:t>S</a:t>
-            </a:r>
-            <a:endParaRPr sz="2100" dirty="0">
-              <a:latin typeface="Calibri"/>
-              <a:cs typeface="Calibri"/>
-            </a:endParaRPr>
-          </a:p>
-          <a:p>
-            <a:pPr marL="39529" algn="ctr">
-              <a:spcBef>
-                <a:spcPts val="41"/>
-              </a:spcBef>
-            </a:pPr>
-            <a:r>
-              <a:rPr sz="1500" b="1" spc="-4" dirty="0">
-                <a:solidFill>
-                  <a:srgbClr val="44536A"/>
-                </a:solidFill>
-                <a:latin typeface="Calibri"/>
-                <a:cs typeface="Calibri"/>
-              </a:rPr>
-              <a:t>Ori</a:t>
-            </a:r>
-            <a:r>
-              <a:rPr sz="1500" b="1" spc="-23" dirty="0">
-                <a:solidFill>
-                  <a:srgbClr val="44536A"/>
-                </a:solidFill>
-                <a:latin typeface="Calibri"/>
-                <a:cs typeface="Calibri"/>
-              </a:rPr>
-              <a:t>g</a:t>
-            </a:r>
-            <a:r>
-              <a:rPr sz="1500" b="1" spc="-4" dirty="0">
-                <a:solidFill>
-                  <a:srgbClr val="44536A"/>
-                </a:solidFill>
-                <a:latin typeface="Calibri"/>
-                <a:cs typeface="Calibri"/>
-              </a:rPr>
-              <a:t>en</a:t>
-            </a:r>
-            <a:r>
-              <a:rPr sz="1500" b="1" spc="4" dirty="0">
-                <a:solidFill>
-                  <a:srgbClr val="44536A"/>
-                </a:solidFill>
-                <a:latin typeface="Calibri"/>
-                <a:cs typeface="Calibri"/>
-              </a:rPr>
-              <a:t>/</a:t>
-            </a:r>
-            <a:r>
-              <a:rPr sz="1500" b="1" spc="-4" dirty="0">
-                <a:solidFill>
-                  <a:srgbClr val="44536A"/>
-                </a:solidFill>
-                <a:latin typeface="Calibri"/>
-                <a:cs typeface="Calibri"/>
-              </a:rPr>
-              <a:t>De</a:t>
-            </a:r>
-            <a:r>
-              <a:rPr sz="1500" b="1" spc="-19" dirty="0">
-                <a:solidFill>
-                  <a:srgbClr val="44536A"/>
-                </a:solidFill>
-                <a:latin typeface="Calibri"/>
-                <a:cs typeface="Calibri"/>
-              </a:rPr>
-              <a:t>s</a:t>
-            </a:r>
-            <a:r>
-              <a:rPr sz="1500" b="1" dirty="0">
-                <a:solidFill>
-                  <a:srgbClr val="44536A"/>
-                </a:solidFill>
-                <a:latin typeface="Calibri"/>
-                <a:cs typeface="Calibri"/>
-              </a:rPr>
-              <a:t>tino</a:t>
-            </a:r>
-            <a:endParaRPr sz="1500" dirty="0">
-              <a:latin typeface="Calibri"/>
-              <a:cs typeface="Calibri"/>
-            </a:endParaRPr>
-          </a:p>
-          <a:p>
-            <a:pPr algn="ctr">
-              <a:lnSpc>
-                <a:spcPct val="100000"/>
-              </a:lnSpc>
-            </a:pPr>
-            <a:r>
-              <a:rPr sz="1500" b="1" spc="-4" dirty="0">
-                <a:solidFill>
-                  <a:srgbClr val="44536A"/>
-                </a:solidFill>
-                <a:latin typeface="Calibri"/>
-                <a:cs typeface="Calibri"/>
-              </a:rPr>
-              <a:t>Clie</a:t>
-            </a:r>
-            <a:r>
-              <a:rPr sz="1500" b="1" spc="-15" dirty="0">
-                <a:solidFill>
-                  <a:srgbClr val="44536A"/>
-                </a:solidFill>
-                <a:latin typeface="Calibri"/>
-                <a:cs typeface="Calibri"/>
-              </a:rPr>
-              <a:t>n</a:t>
-            </a:r>
-            <a:r>
-              <a:rPr sz="1500" b="1" spc="-19" dirty="0">
-                <a:solidFill>
-                  <a:srgbClr val="44536A"/>
-                </a:solidFill>
-                <a:latin typeface="Calibri"/>
-                <a:cs typeface="Calibri"/>
-              </a:rPr>
-              <a:t>t</a:t>
-            </a:r>
-            <a:r>
-              <a:rPr sz="1500" b="1" spc="-4" dirty="0">
-                <a:solidFill>
-                  <a:srgbClr val="44536A"/>
-                </a:solidFill>
-                <a:latin typeface="Calibri"/>
-                <a:cs typeface="Calibri"/>
-              </a:rPr>
-              <a:t>e/</a:t>
-            </a:r>
-            <a:r>
-              <a:rPr sz="1500" b="1" spc="4" dirty="0">
-                <a:solidFill>
-                  <a:srgbClr val="44536A"/>
-                </a:solidFill>
-                <a:latin typeface="Calibri"/>
-                <a:cs typeface="Calibri"/>
-              </a:rPr>
-              <a:t>S</a:t>
-            </a:r>
-            <a:r>
-              <a:rPr sz="1500" b="1" spc="-4" dirty="0">
-                <a:solidFill>
-                  <a:srgbClr val="44536A"/>
-                </a:solidFill>
-                <a:latin typeface="Calibri"/>
-                <a:cs typeface="Calibri"/>
-              </a:rPr>
-              <a:t>e</a:t>
-            </a:r>
-            <a:r>
-              <a:rPr sz="1500" b="1" spc="4" dirty="0">
-                <a:solidFill>
-                  <a:srgbClr val="44536A"/>
-                </a:solidFill>
-                <a:latin typeface="Calibri"/>
-                <a:cs typeface="Calibri"/>
-              </a:rPr>
-              <a:t>r</a:t>
-            </a:r>
-            <a:r>
-              <a:rPr sz="1500" b="1" spc="-4" dirty="0">
-                <a:solidFill>
-                  <a:srgbClr val="44536A"/>
-                </a:solidFill>
-                <a:latin typeface="Calibri"/>
-                <a:cs typeface="Calibri"/>
-              </a:rPr>
-              <a:t>vid</a:t>
-            </a:r>
-            <a:r>
-              <a:rPr sz="1500" b="1" spc="4" dirty="0">
-                <a:solidFill>
-                  <a:srgbClr val="44536A"/>
-                </a:solidFill>
-                <a:latin typeface="Calibri"/>
-                <a:cs typeface="Calibri"/>
-              </a:rPr>
-              <a:t>o</a:t>
-            </a:r>
-            <a:r>
-              <a:rPr sz="1500" b="1" spc="-4" dirty="0">
-                <a:solidFill>
-                  <a:srgbClr val="44536A"/>
-                </a:solidFill>
-                <a:latin typeface="Calibri"/>
-                <a:cs typeface="Calibri"/>
-              </a:rPr>
-              <a:t>r/</a:t>
-            </a:r>
-            <a:r>
-              <a:rPr sz="1500" b="1" spc="-26" dirty="0">
-                <a:solidFill>
-                  <a:srgbClr val="44536A"/>
-                </a:solidFill>
-                <a:latin typeface="Calibri"/>
-                <a:cs typeface="Calibri"/>
-              </a:rPr>
-              <a:t>P</a:t>
-            </a:r>
-            <a:r>
-              <a:rPr sz="1500" b="1" spc="-4" dirty="0">
-                <a:solidFill>
-                  <a:srgbClr val="44536A"/>
-                </a:solidFill>
-                <a:latin typeface="Calibri"/>
-                <a:cs typeface="Calibri"/>
-              </a:rPr>
-              <a:t>eer</a:t>
-            </a:r>
-            <a:endParaRPr sz="1500" dirty="0">
-              <a:latin typeface="Calibri"/>
-              <a:cs typeface="Calibri"/>
-            </a:endParaRPr>
-          </a:p>
-        </p:txBody>
-      </p:sp>
-      <p:sp>
-        <p:nvSpPr>
-          <p:cNvPr id="4" name="object 4"/>
-          <p:cNvSpPr txBox="1"/>
-          <p:nvPr/>
-        </p:nvSpPr>
-        <p:spPr>
-          <a:xfrm>
-            <a:off x="399471" y="3648383"/>
-            <a:ext cx="1966436" cy="1661993"/>
-          </a:xfrm>
-          <a:prstGeom prst="rect">
-            <a:avLst/>
-          </a:prstGeom>
-        </p:spPr>
-        <p:txBody>
-          <a:bodyPr vert="horz" wrap="square" lIns="0" tIns="0" rIns="0" bIns="0" rtlCol="0">
-            <a:spAutoFit/>
-          </a:bodyPr>
-          <a:lstStyle/>
-          <a:p>
-            <a:pPr algn="ctr">
-              <a:lnSpc>
-                <a:spcPct val="100000"/>
-              </a:lnSpc>
-            </a:pPr>
-            <a:r>
-              <a:rPr sz="2100" b="1" spc="-8" dirty="0">
-                <a:solidFill>
-                  <a:srgbClr val="44536A"/>
-                </a:solidFill>
-                <a:latin typeface="Calibri"/>
-                <a:cs typeface="Calibri"/>
-              </a:rPr>
-              <a:t>I</a:t>
-            </a:r>
-            <a:r>
-              <a:rPr sz="2100" b="1" spc="-23" dirty="0">
-                <a:solidFill>
-                  <a:srgbClr val="44536A"/>
-                </a:solidFill>
-                <a:latin typeface="Calibri"/>
-                <a:cs typeface="Calibri"/>
-              </a:rPr>
-              <a:t>N</a:t>
-            </a:r>
-            <a:r>
-              <a:rPr sz="2100" b="1" spc="-15" dirty="0">
-                <a:solidFill>
-                  <a:srgbClr val="44536A"/>
-                </a:solidFill>
-                <a:latin typeface="Calibri"/>
-                <a:cs typeface="Calibri"/>
-              </a:rPr>
-              <a:t>TERMEDIARIOS</a:t>
-            </a:r>
-            <a:endParaRPr sz="2100" dirty="0">
-              <a:latin typeface="Calibri"/>
-              <a:cs typeface="Calibri"/>
-            </a:endParaRPr>
-          </a:p>
-          <a:p>
-            <a:pPr algn="ctr">
-              <a:spcBef>
-                <a:spcPts val="41"/>
-              </a:spcBef>
-            </a:pPr>
-            <a:r>
-              <a:rPr sz="1500" b="1" spc="-4" dirty="0">
-                <a:solidFill>
-                  <a:srgbClr val="44536A"/>
-                </a:solidFill>
-                <a:latin typeface="Calibri"/>
-                <a:cs typeface="Calibri"/>
-              </a:rPr>
-              <a:t>Comu</a:t>
-            </a:r>
-            <a:r>
-              <a:rPr sz="1500" b="1" spc="4" dirty="0">
-                <a:solidFill>
-                  <a:srgbClr val="44536A"/>
-                </a:solidFill>
-                <a:latin typeface="Calibri"/>
-                <a:cs typeface="Calibri"/>
-              </a:rPr>
-              <a:t>n</a:t>
-            </a:r>
-            <a:r>
-              <a:rPr sz="1500" b="1" dirty="0">
-                <a:solidFill>
-                  <a:srgbClr val="44536A"/>
-                </a:solidFill>
-                <a:latin typeface="Calibri"/>
-                <a:cs typeface="Calibri"/>
-              </a:rPr>
-              <a:t>i</a:t>
-            </a:r>
-            <a:r>
-              <a:rPr sz="1500" b="1" spc="-11" dirty="0">
-                <a:solidFill>
-                  <a:srgbClr val="44536A"/>
-                </a:solidFill>
-                <a:latin typeface="Calibri"/>
-                <a:cs typeface="Calibri"/>
-              </a:rPr>
-              <a:t>c</a:t>
-            </a:r>
-            <a:r>
-              <a:rPr sz="1500" b="1" dirty="0">
-                <a:solidFill>
-                  <a:srgbClr val="44536A"/>
-                </a:solidFill>
-                <a:latin typeface="Calibri"/>
-                <a:cs typeface="Calibri"/>
-              </a:rPr>
-              <a:t>aciones/</a:t>
-            </a:r>
-            <a:r>
-              <a:rPr sz="1500" b="1" spc="-30" dirty="0">
-                <a:solidFill>
-                  <a:srgbClr val="44536A"/>
-                </a:solidFill>
-                <a:latin typeface="Calibri"/>
-                <a:cs typeface="Calibri"/>
-              </a:rPr>
-              <a:t>R</a:t>
-            </a:r>
-            <a:r>
-              <a:rPr sz="1500" b="1" spc="-4" dirty="0">
-                <a:solidFill>
-                  <a:srgbClr val="44536A"/>
-                </a:solidFill>
-                <a:latin typeface="Calibri"/>
-                <a:cs typeface="Calibri"/>
-              </a:rPr>
-              <a:t>ed</a:t>
-            </a:r>
-            <a:endParaRPr sz="1500" dirty="0">
-              <a:latin typeface="Calibri"/>
-              <a:cs typeface="Calibri"/>
-            </a:endParaRPr>
-          </a:p>
-          <a:p>
-            <a:pPr>
-              <a:lnSpc>
-                <a:spcPct val="100000"/>
-              </a:lnSpc>
-            </a:pPr>
-            <a:endParaRPr sz="1500" dirty="0">
-              <a:latin typeface="Times New Roman"/>
-              <a:cs typeface="Times New Roman"/>
-            </a:endParaRPr>
-          </a:p>
-          <a:p>
-            <a:pPr>
-              <a:spcBef>
-                <a:spcPts val="38"/>
-              </a:spcBef>
-            </a:pPr>
-            <a:endParaRPr sz="1500" dirty="0">
-              <a:latin typeface="Times New Roman"/>
-              <a:cs typeface="Times New Roman"/>
-            </a:endParaRPr>
-          </a:p>
-          <a:p>
-            <a:pPr marR="54293" algn="ctr"/>
-            <a:r>
-              <a:rPr sz="2100" b="1" spc="-19" dirty="0">
-                <a:solidFill>
-                  <a:srgbClr val="44536A"/>
-                </a:solidFill>
-                <a:latin typeface="Calibri"/>
-                <a:cs typeface="Calibri"/>
-              </a:rPr>
-              <a:t>Medio</a:t>
-            </a:r>
-            <a:r>
-              <a:rPr sz="2100" b="1" spc="-11" dirty="0">
-                <a:solidFill>
-                  <a:srgbClr val="44536A"/>
-                </a:solidFill>
-                <a:latin typeface="Calibri"/>
-                <a:cs typeface="Calibri"/>
-              </a:rPr>
-              <a:t>s</a:t>
-            </a:r>
-            <a:r>
-              <a:rPr sz="2100" b="1" spc="11" dirty="0">
-                <a:solidFill>
-                  <a:srgbClr val="44536A"/>
-                </a:solidFill>
-                <a:latin typeface="Calibri"/>
-                <a:cs typeface="Calibri"/>
-              </a:rPr>
-              <a:t> </a:t>
-            </a:r>
-            <a:r>
-              <a:rPr sz="2100" b="1" spc="-11" dirty="0">
-                <a:solidFill>
-                  <a:srgbClr val="44536A"/>
-                </a:solidFill>
-                <a:latin typeface="Calibri"/>
-                <a:cs typeface="Calibri"/>
-              </a:rPr>
-              <a:t>de</a:t>
-            </a:r>
-            <a:endParaRPr sz="2100" dirty="0">
-              <a:latin typeface="Calibri"/>
-              <a:cs typeface="Calibri"/>
-            </a:endParaRPr>
-          </a:p>
-          <a:p>
-            <a:pPr marL="1429" algn="ctr"/>
-            <a:r>
-              <a:rPr lang="es-ES" sz="2100" b="1" spc="-124" dirty="0">
-                <a:solidFill>
-                  <a:srgbClr val="44536A"/>
-                </a:solidFill>
-                <a:latin typeface="Calibri"/>
-                <a:cs typeface="Calibri"/>
-              </a:rPr>
-              <a:t>t</a:t>
-            </a:r>
-            <a:r>
-              <a:rPr sz="2100" b="1" spc="-49" dirty="0" err="1">
-                <a:solidFill>
-                  <a:srgbClr val="44536A"/>
-                </a:solidFill>
-                <a:latin typeface="Calibri"/>
-                <a:cs typeface="Calibri"/>
-              </a:rPr>
-              <a:t>r</a:t>
-            </a:r>
-            <a:r>
-              <a:rPr sz="2100" b="1" spc="-11" dirty="0" err="1">
-                <a:solidFill>
-                  <a:srgbClr val="44536A"/>
-                </a:solidFill>
-                <a:latin typeface="Calibri"/>
-                <a:cs typeface="Calibri"/>
-              </a:rPr>
-              <a:t>ans</a:t>
-            </a:r>
-            <a:r>
-              <a:rPr sz="2100" b="1" spc="-15" dirty="0" err="1">
-                <a:solidFill>
-                  <a:srgbClr val="44536A"/>
-                </a:solidFill>
-                <a:latin typeface="Calibri"/>
-                <a:cs typeface="Calibri"/>
-              </a:rPr>
-              <a:t>m</a:t>
-            </a:r>
-            <a:r>
-              <a:rPr sz="2100" b="1" spc="-11" dirty="0" err="1">
-                <a:solidFill>
-                  <a:srgbClr val="44536A"/>
-                </a:solidFill>
-                <a:latin typeface="Calibri"/>
-                <a:cs typeface="Calibri"/>
-              </a:rPr>
-              <a:t>isión</a:t>
-            </a:r>
-            <a:endParaRPr sz="2100" dirty="0">
-              <a:latin typeface="Calibri"/>
-              <a:cs typeface="Calibri"/>
-            </a:endParaRPr>
-          </a:p>
-        </p:txBody>
-      </p:sp>
-      <p:sp>
-        <p:nvSpPr>
-          <p:cNvPr id="5" name="object 5"/>
-          <p:cNvSpPr/>
-          <p:nvPr/>
-        </p:nvSpPr>
-        <p:spPr>
-          <a:xfrm>
-            <a:off x="297211" y="3318151"/>
-            <a:ext cx="8519636" cy="17621"/>
-          </a:xfrm>
-          <a:custGeom>
-            <a:avLst/>
-            <a:gdLst/>
-            <a:ahLst/>
-            <a:cxnLst/>
-            <a:rect l="l" t="t" r="r" b="b"/>
-            <a:pathLst>
-              <a:path w="11359515" h="23495">
-                <a:moveTo>
-                  <a:pt x="0" y="0"/>
-                </a:moveTo>
-                <a:lnTo>
-                  <a:pt x="11359007" y="22987"/>
-                </a:lnTo>
-              </a:path>
-            </a:pathLst>
-          </a:custGeom>
-          <a:ln w="6096">
-            <a:solidFill>
-              <a:srgbClr val="E22C91"/>
-            </a:solidFill>
-            <a:prstDash val="dash"/>
-          </a:ln>
-        </p:spPr>
-        <p:txBody>
-          <a:bodyPr wrap="square" lIns="0" tIns="0" rIns="0" bIns="0" rtlCol="0"/>
-          <a:lstStyle/>
-          <a:p>
-            <a:endParaRPr sz="1350" dirty="0"/>
-          </a:p>
-        </p:txBody>
-      </p:sp>
-      <p:sp>
-        <p:nvSpPr>
-          <p:cNvPr id="6" name="object 6"/>
-          <p:cNvSpPr/>
-          <p:nvPr/>
-        </p:nvSpPr>
-        <p:spPr>
-          <a:xfrm>
-            <a:off x="297211" y="4514873"/>
-            <a:ext cx="8519636" cy="17621"/>
-          </a:xfrm>
-          <a:custGeom>
-            <a:avLst/>
-            <a:gdLst/>
-            <a:ahLst/>
-            <a:cxnLst/>
-            <a:rect l="l" t="t" r="r" b="b"/>
-            <a:pathLst>
-              <a:path w="11359515" h="23495">
-                <a:moveTo>
-                  <a:pt x="0" y="0"/>
-                </a:moveTo>
-                <a:lnTo>
-                  <a:pt x="11359007" y="22986"/>
-                </a:lnTo>
-              </a:path>
-            </a:pathLst>
-          </a:custGeom>
-          <a:ln w="6096">
-            <a:solidFill>
-              <a:srgbClr val="E22C91"/>
-            </a:solidFill>
-            <a:prstDash val="dash"/>
-          </a:ln>
-        </p:spPr>
-        <p:txBody>
-          <a:bodyPr wrap="square" lIns="0" tIns="0" rIns="0" bIns="0" rtlCol="0"/>
-          <a:lstStyle/>
-          <a:p>
-            <a:endParaRPr sz="1350" dirty="0"/>
-          </a:p>
-        </p:txBody>
-      </p:sp>
-      <p:sp>
-        <p:nvSpPr>
-          <p:cNvPr id="7" name="object 7"/>
-          <p:cNvSpPr/>
-          <p:nvPr/>
-        </p:nvSpPr>
-        <p:spPr>
-          <a:xfrm>
-            <a:off x="2483768" y="1844824"/>
-            <a:ext cx="6333363" cy="3456432"/>
-          </a:xfrm>
-          <a:prstGeom prst="rect">
-            <a:avLst/>
-          </a:prstGeom>
-          <a:blipFill>
-            <a:blip r:embed="rId3" cstate="print"/>
-            <a:stretch>
-              <a:fillRect/>
-            </a:stretch>
-          </a:blipFill>
-        </p:spPr>
-        <p:txBody>
-          <a:bodyPr wrap="square" lIns="0" tIns="0" rIns="0" bIns="0" rtlCol="0"/>
-          <a:lstStyle/>
-          <a:p>
-            <a:endParaRPr sz="1350" dirty="0"/>
-          </a:p>
-        </p:txBody>
-      </p:sp>
-      <p:sp>
-        <p:nvSpPr>
-          <p:cNvPr id="9" name="Rectangle 2">
-            <a:extLst>
-              <a:ext uri="{FF2B5EF4-FFF2-40B4-BE49-F238E27FC236}">
-                <a16:creationId xmlns:a16="http://schemas.microsoft.com/office/drawing/2014/main" id="{06A72229-3705-4BE7-BFEF-3A88D510A161}"/>
-              </a:ext>
-            </a:extLst>
-          </p:cNvPr>
-          <p:cNvSpPr txBox="1">
-            <a:spLocks noChangeArrowheads="1"/>
-          </p:cNvSpPr>
-          <p:nvPr/>
-        </p:nvSpPr>
-        <p:spPr>
-          <a:xfrm>
-            <a:off x="177225" y="120147"/>
-            <a:ext cx="8964488" cy="1143000"/>
-          </a:xfrm>
-          <a:prstGeom prst="rect">
-            <a:avLst/>
-          </a:prstGeom>
-        </p:spPr>
-        <p:txBody>
-          <a:bodyPr vert="horz" lIns="92075" tIns="46038" rIns="92075" bIns="46038" rtlCol="0" anchor="ctr">
-            <a:noAutofit/>
-          </a:bodyPr>
-          <a:lstStyle>
-            <a:lvl1pPr algn="ctr" defTabSz="914400" rtl="0" eaLnBrk="1" latinLnBrk="0" hangingPunct="1">
-              <a:spcBef>
-                <a:spcPct val="0"/>
-              </a:spcBef>
-              <a:buNone/>
-              <a:defRPr sz="4400" kern="1200">
-                <a:solidFill>
-                  <a:schemeClr val="tx1"/>
-                </a:solidFill>
-                <a:latin typeface="+mj-lt"/>
-                <a:ea typeface="+mj-ea"/>
-                <a:cs typeface="+mj-cs"/>
-              </a:defRPr>
-            </a:lvl1pPr>
-          </a:lstStyle>
-          <a:p>
-            <a:pPr>
-              <a:defRPr/>
-            </a:pPr>
-            <a:r>
-              <a:rPr lang="es-ES_tradnl" sz="3200" dirty="0">
-                <a:solidFill>
-                  <a:srgbClr val="3333CC"/>
-                </a:solidFill>
-                <a:effectLst>
-                  <a:outerShdw blurRad="38100" dist="38100" dir="2700000" algn="tl">
-                    <a:srgbClr val="C0C0C0"/>
-                  </a:outerShdw>
-                </a:effectLst>
-                <a:latin typeface="Dom Casual" charset="0"/>
-              </a:rPr>
-              <a:t> </a:t>
-            </a:r>
-            <a:r>
-              <a:rPr lang="es-ES_tradnl" sz="3200" b="1" dirty="0">
-                <a:solidFill>
-                  <a:schemeClr val="accent4">
-                    <a:lumMod val="50000"/>
-                  </a:schemeClr>
-                </a:solidFill>
-                <a:effectLst>
-                  <a:outerShdw blurRad="38100" dist="38100" dir="2700000" algn="tl">
-                    <a:srgbClr val="C0C0C0"/>
-                  </a:outerShdw>
-                </a:effectLst>
-                <a:latin typeface="Dom Casual" charset="0"/>
-              </a:rPr>
-              <a:t>Tipos de dispositivos</a:t>
-            </a:r>
-          </a:p>
-        </p:txBody>
-      </p:sp>
-    </p:spTree>
-  </p:cSld>
-  <p:clrMapOvr>
-    <a:masterClrMapping/>
-  </p:clrMapOvr>
-  <p:transition/>
-</p:sld>
-</file>
-
-<file path=ppt/slides/slide42.xml><?xml version="1.0" encoding="utf-8"?>
 <p:sld xmlns:a="http://schemas.openxmlformats.org/drawingml/2006/main" xmlns:r="http://schemas.openxmlformats.org/officeDocument/2006/relationships" xmlns:p="http://schemas.openxmlformats.org/presentationml/2006/main">
   <p:cSld>
     <p:spTree>
@@ -30273,7 +28900,7 @@
 </p:sld>
 </file>
 
-<file path=ppt/slides/slide43.xml><?xml version="1.0" encoding="utf-8"?>
+<file path=ppt/slides/slide41.xml><?xml version="1.0" encoding="utf-8"?>
 <p:sld xmlns:a="http://schemas.openxmlformats.org/drawingml/2006/main" xmlns:r="http://schemas.openxmlformats.org/officeDocument/2006/relationships" xmlns:p="http://schemas.openxmlformats.org/presentationml/2006/main">
   <p:cSld>
     <p:spTree>
@@ -30937,7 +29564,7 @@
 </p:sld>
 </file>
 
-<file path=ppt/slides/slide44.xml><?xml version="1.0" encoding="utf-8"?>
+<file path=ppt/slides/slide42.xml><?xml version="1.0" encoding="utf-8"?>
 <p:sld xmlns:a="http://schemas.openxmlformats.org/drawingml/2006/main" xmlns:r="http://schemas.openxmlformats.org/officeDocument/2006/relationships" xmlns:p="http://schemas.openxmlformats.org/presentationml/2006/main">
   <p:cSld>
     <p:spTree>
@@ -31700,7 +30327,7 @@
 </p:sld>
 </file>
 
-<file path=ppt/slides/slide45.xml><?xml version="1.0" encoding="utf-8"?>
+<file path=ppt/slides/slide43.xml><?xml version="1.0" encoding="utf-8"?>
 <p:sld xmlns:a="http://schemas.openxmlformats.org/drawingml/2006/main" xmlns:r="http://schemas.openxmlformats.org/officeDocument/2006/relationships" xmlns:p="http://schemas.openxmlformats.org/presentationml/2006/main">
   <p:cSld>
     <p:spTree>
@@ -31898,7 +30525,7 @@
 </p:sld>
 </file>
 
-<file path=ppt/slides/slide46.xml><?xml version="1.0" encoding="utf-8"?>
+<file path=ppt/slides/slide44.xml><?xml version="1.0" encoding="utf-8"?>
 <p:sld xmlns:a="http://schemas.openxmlformats.org/drawingml/2006/main" xmlns:r="http://schemas.openxmlformats.org/officeDocument/2006/relationships" xmlns:p="http://schemas.openxmlformats.org/presentationml/2006/main">
   <p:cSld>
     <p:spTree>

--- a/Calendario2022/Presentaciones/1_IntroduccionRedes_Profesor.pptx
+++ b/Calendario2022/Presentaciones/1_IntroduccionRedes_Profesor.pptx
@@ -251,7 +251,7 @@
           <a:p>
             <a:fld id="{2D445F07-8756-451B-A938-0248325FC7BB}" type="datetimeFigureOut">
               <a:rPr lang="es-MX" smtClean="0"/>
-              <a:t>15/05/2022</a:t>
+              <a:t>16/05/2022</a:t>
             </a:fld>
             <a:endParaRPr lang="es-MX" dirty="0"/>
           </a:p>
@@ -3102,7 +3102,7 @@
           <a:p>
             <a:fld id="{5E75A0DC-66C6-4CEC-A5EB-F8C97CEC3796}" type="datetimeFigureOut">
               <a:rPr lang="es-MX" smtClean="0"/>
-              <a:t>15/05/2022</a:t>
+              <a:t>16/05/2022</a:t>
             </a:fld>
             <a:endParaRPr lang="es-MX" dirty="0"/>
           </a:p>
@@ -3272,7 +3272,7 @@
           <a:p>
             <a:fld id="{5E75A0DC-66C6-4CEC-A5EB-F8C97CEC3796}" type="datetimeFigureOut">
               <a:rPr lang="es-MX" smtClean="0"/>
-              <a:t>15/05/2022</a:t>
+              <a:t>16/05/2022</a:t>
             </a:fld>
             <a:endParaRPr lang="es-MX" dirty="0"/>
           </a:p>
@@ -3452,7 +3452,7 @@
           <a:p>
             <a:fld id="{5E75A0DC-66C6-4CEC-A5EB-F8C97CEC3796}" type="datetimeFigureOut">
               <a:rPr lang="es-MX" smtClean="0"/>
-              <a:t>15/05/2022</a:t>
+              <a:t>16/05/2022</a:t>
             </a:fld>
             <a:endParaRPr lang="es-MX" dirty="0"/>
           </a:p>
@@ -4188,7 +4188,7 @@
           <a:p>
             <a:fld id="{5E75A0DC-66C6-4CEC-A5EB-F8C97CEC3796}" type="datetimeFigureOut">
               <a:rPr lang="es-MX" smtClean="0"/>
-              <a:t>15/05/2022</a:t>
+              <a:t>16/05/2022</a:t>
             </a:fld>
             <a:endParaRPr lang="es-MX" dirty="0"/>
           </a:p>
@@ -4434,7 +4434,7 @@
           <a:p>
             <a:fld id="{5E75A0DC-66C6-4CEC-A5EB-F8C97CEC3796}" type="datetimeFigureOut">
               <a:rPr lang="es-MX" smtClean="0"/>
-              <a:t>15/05/2022</a:t>
+              <a:t>16/05/2022</a:t>
             </a:fld>
             <a:endParaRPr lang="es-MX" dirty="0"/>
           </a:p>
@@ -4722,7 +4722,7 @@
           <a:p>
             <a:fld id="{5E75A0DC-66C6-4CEC-A5EB-F8C97CEC3796}" type="datetimeFigureOut">
               <a:rPr lang="es-MX" smtClean="0"/>
-              <a:t>15/05/2022</a:t>
+              <a:t>16/05/2022</a:t>
             </a:fld>
             <a:endParaRPr lang="es-MX" dirty="0"/>
           </a:p>
@@ -5144,7 +5144,7 @@
           <a:p>
             <a:fld id="{5E75A0DC-66C6-4CEC-A5EB-F8C97CEC3796}" type="datetimeFigureOut">
               <a:rPr lang="es-MX" smtClean="0"/>
-              <a:t>15/05/2022</a:t>
+              <a:t>16/05/2022</a:t>
             </a:fld>
             <a:endParaRPr lang="es-MX" dirty="0"/>
           </a:p>
@@ -5262,7 +5262,7 @@
           <a:p>
             <a:fld id="{5E75A0DC-66C6-4CEC-A5EB-F8C97CEC3796}" type="datetimeFigureOut">
               <a:rPr lang="es-MX" smtClean="0"/>
-              <a:t>15/05/2022</a:t>
+              <a:t>16/05/2022</a:t>
             </a:fld>
             <a:endParaRPr lang="es-MX" dirty="0"/>
           </a:p>
@@ -5357,7 +5357,7 @@
           <a:p>
             <a:fld id="{5E75A0DC-66C6-4CEC-A5EB-F8C97CEC3796}" type="datetimeFigureOut">
               <a:rPr lang="es-MX" smtClean="0"/>
-              <a:t>15/05/2022</a:t>
+              <a:t>16/05/2022</a:t>
             </a:fld>
             <a:endParaRPr lang="es-MX" dirty="0"/>
           </a:p>
@@ -5634,7 +5634,7 @@
           <a:p>
             <a:fld id="{5E75A0DC-66C6-4CEC-A5EB-F8C97CEC3796}" type="datetimeFigureOut">
               <a:rPr lang="es-MX" smtClean="0"/>
-              <a:t>15/05/2022</a:t>
+              <a:t>16/05/2022</a:t>
             </a:fld>
             <a:endParaRPr lang="es-MX" dirty="0"/>
           </a:p>
@@ -5887,7 +5887,7 @@
           <a:p>
             <a:fld id="{5E75A0DC-66C6-4CEC-A5EB-F8C97CEC3796}" type="datetimeFigureOut">
               <a:rPr lang="es-MX" smtClean="0"/>
-              <a:t>15/05/2022</a:t>
+              <a:t>16/05/2022</a:t>
             </a:fld>
             <a:endParaRPr lang="es-MX" dirty="0"/>
           </a:p>
@@ -6100,7 +6100,7 @@
           <a:p>
             <a:fld id="{5E75A0DC-66C6-4CEC-A5EB-F8C97CEC3796}" type="datetimeFigureOut">
               <a:rPr lang="es-MX" smtClean="0"/>
-              <a:t>15/05/2022</a:t>
+              <a:t>16/05/2022</a:t>
             </a:fld>
             <a:endParaRPr lang="es-MX" dirty="0"/>
           </a:p>
@@ -16382,7 +16382,7 @@
           <a:graphicData uri="http://schemas.openxmlformats.org/presentationml/2006/ole">
             <mc:AlternateContent xmlns:mc="http://schemas.openxmlformats.org/markup-compatibility/2006">
               <mc:Choice xmlns:v="urn:schemas-microsoft-com:vml" Requires="v">
-                <p:oleObj spid="_x0000_s8394" name="Imagen" r:id="rId4" imgW="1452563" imgH="1166813" progId="MS_ClipArt_Gallery.2">
+                <p:oleObj spid="_x0000_s8404" name="Imagen" r:id="rId4" imgW="1452563" imgH="1166813" progId="MS_ClipArt_Gallery.2">
                   <p:embed/>
                 </p:oleObj>
               </mc:Choice>
@@ -16475,7 +16475,7 @@
           <a:graphicData uri="http://schemas.openxmlformats.org/presentationml/2006/ole">
             <mc:AlternateContent xmlns:mc="http://schemas.openxmlformats.org/markup-compatibility/2006">
               <mc:Choice xmlns:v="urn:schemas-microsoft-com:vml" Requires="v">
-                <p:oleObj spid="_x0000_s8395" name="Imagen" r:id="rId6" imgW="1452563" imgH="1166813" progId="MS_ClipArt_Gallery.2">
+                <p:oleObj spid="_x0000_s8405" name="Imagen" r:id="rId6" imgW="1452563" imgH="1166813" progId="MS_ClipArt_Gallery.2">
                   <p:embed/>
                 </p:oleObj>
               </mc:Choice>
@@ -16568,7 +16568,7 @@
           <a:graphicData uri="http://schemas.openxmlformats.org/presentationml/2006/ole">
             <mc:AlternateContent xmlns:mc="http://schemas.openxmlformats.org/markup-compatibility/2006">
               <mc:Choice xmlns:v="urn:schemas-microsoft-com:vml" Requires="v">
-                <p:oleObj spid="_x0000_s8396" name="Imagen" r:id="rId7" imgW="1452563" imgH="1166813" progId="MS_ClipArt_Gallery.2">
+                <p:oleObj spid="_x0000_s8406" name="Imagen" r:id="rId7" imgW="1452563" imgH="1166813" progId="MS_ClipArt_Gallery.2">
                   <p:embed/>
                 </p:oleObj>
               </mc:Choice>
@@ -16661,7 +16661,7 @@
           <a:graphicData uri="http://schemas.openxmlformats.org/presentationml/2006/ole">
             <mc:AlternateContent xmlns:mc="http://schemas.openxmlformats.org/markup-compatibility/2006">
               <mc:Choice xmlns:v="urn:schemas-microsoft-com:vml" Requires="v">
-                <p:oleObj spid="_x0000_s8397" name="Imagen" r:id="rId8" imgW="1452563" imgH="1166813" progId="MS_ClipArt_Gallery.2">
+                <p:oleObj spid="_x0000_s8407" name="Imagen" r:id="rId8" imgW="1452563" imgH="1166813" progId="MS_ClipArt_Gallery.2">
                   <p:embed/>
                 </p:oleObj>
               </mc:Choice>
@@ -16754,7 +16754,7 @@
           <a:graphicData uri="http://schemas.openxmlformats.org/presentationml/2006/ole">
             <mc:AlternateContent xmlns:mc="http://schemas.openxmlformats.org/markup-compatibility/2006">
               <mc:Choice xmlns:v="urn:schemas-microsoft-com:vml" Requires="v">
-                <p:oleObj spid="_x0000_s8398" name="Imagen" r:id="rId9" imgW="1452563" imgH="1166813" progId="MS_ClipArt_Gallery.2">
+                <p:oleObj spid="_x0000_s8408" name="Imagen" r:id="rId9" imgW="1452563" imgH="1166813" progId="MS_ClipArt_Gallery.2">
                   <p:embed/>
                 </p:oleObj>
               </mc:Choice>
@@ -29439,8 +29439,8 @@
         </p:nvSpPr>
         <p:spPr>
           <a:xfrm>
-            <a:off x="2051720" y="1628800"/>
-            <a:ext cx="5447537" cy="3771900"/>
+            <a:off x="1835696" y="1412776"/>
+            <a:ext cx="5292588" cy="4254085"/>
           </a:xfrm>
           <a:prstGeom prst="rect">
             <a:avLst/>
@@ -29535,7 +29535,7 @@
                 </a:effectLst>
                 <a:latin typeface="Dom Casual" charset="0"/>
               </a:rPr>
-              <a:t>Instalación de Packet Tracer</a:t>
+              <a:t>Actividad 1. Instalación de Packet Tracer</a:t>
             </a:r>
           </a:p>
         </p:txBody>
